--- a/SDD/HLD.pptx
+++ b/SDD/HLD.pptx
@@ -119,7 +119,7 @@
 <file path=ppt/revisionInfo.xml><?xml version="1.0" encoding="utf-8"?>
 <p1510:revInfo xmlns:a="http://schemas.openxmlformats.org/drawingml/2006/main" xmlns:r="http://schemas.openxmlformats.org/officeDocument/2006/relationships" xmlns:p1510="http://schemas.microsoft.com/office/powerpoint/2015/10/main">
   <p1510:revLst>
-    <p1510:client id="{C942D655-BE8E-42F2-938D-74AF9D35D3BB}" v="22" dt="2023-06-06T16:58:34.717"/>
+    <p1510:client id="{C942D655-BE8E-42F2-938D-74AF9D35D3BB}" v="37" dt="2023-06-07T09:43:56.084"/>
   </p1510:revLst>
 </p1510:revInfo>
 </file>
@@ -847,7 +847,7 @@
   <pc:docChgLst>
     <pc:chgData name="Alicia Fernandez Siles" userId="40ef6540-ab02-429b-82df-117fef470c87" providerId="ADAL" clId="{C942D655-BE8E-42F2-938D-74AF9D35D3BB}"/>
     <pc:docChg chg="undo custSel delSld modSld">
-      <pc:chgData name="Alicia Fernandez Siles" userId="40ef6540-ab02-429b-82df-117fef470c87" providerId="ADAL" clId="{C942D655-BE8E-42F2-938D-74AF9D35D3BB}" dt="2023-06-06T16:58:05.165" v="621" actId="14100"/>
+      <pc:chgData name="Alicia Fernandez Siles" userId="40ef6540-ab02-429b-82df-117fef470c87" providerId="ADAL" clId="{C942D655-BE8E-42F2-938D-74AF9D35D3BB}" dt="2023-06-07T09:50:04.461" v="1422" actId="208"/>
       <pc:docMkLst>
         <pc:docMk/>
       </pc:docMkLst>
@@ -866,7 +866,7 @@
         </pc:sldMkLst>
       </pc:sldChg>
       <pc:sldChg chg="addSp delSp modSp mod">
-        <pc:chgData name="Alicia Fernandez Siles" userId="40ef6540-ab02-429b-82df-117fef470c87" providerId="ADAL" clId="{C942D655-BE8E-42F2-938D-74AF9D35D3BB}" dt="2023-06-06T16:58:05.165" v="621" actId="14100"/>
+        <pc:chgData name="Alicia Fernandez Siles" userId="40ef6540-ab02-429b-82df-117fef470c87" providerId="ADAL" clId="{C942D655-BE8E-42F2-938D-74AF9D35D3BB}" dt="2023-06-07T09:50:04.461" v="1422" actId="208"/>
         <pc:sldMkLst>
           <pc:docMk/>
           <pc:sldMk cId="2602252313" sldId="269"/>
@@ -960,7 +960,7 @@
           </ac:spMkLst>
         </pc:spChg>
         <pc:spChg chg="mod">
-          <ac:chgData name="Alicia Fernandez Siles" userId="40ef6540-ab02-429b-82df-117fef470c87" providerId="ADAL" clId="{C942D655-BE8E-42F2-938D-74AF9D35D3BB}" dt="2023-06-06T15:46:27.257" v="67"/>
+          <ac:chgData name="Alicia Fernandez Siles" userId="40ef6540-ab02-429b-82df-117fef470c87" providerId="ADAL" clId="{C942D655-BE8E-42F2-938D-74AF9D35D3BB}" dt="2023-06-07T09:49:52.251" v="1420" actId="208"/>
           <ac:spMkLst>
             <pc:docMk/>
             <pc:sldMk cId="2602252313" sldId="269"/>
@@ -976,7 +976,7 @@
           </ac:spMkLst>
         </pc:spChg>
         <pc:spChg chg="mod">
-          <ac:chgData name="Alicia Fernandez Siles" userId="40ef6540-ab02-429b-82df-117fef470c87" providerId="ADAL" clId="{C942D655-BE8E-42F2-938D-74AF9D35D3BB}" dt="2023-06-06T15:46:27.257" v="67"/>
+          <ac:chgData name="Alicia Fernandez Siles" userId="40ef6540-ab02-429b-82df-117fef470c87" providerId="ADAL" clId="{C942D655-BE8E-42F2-938D-74AF9D35D3BB}" dt="2023-06-07T09:49:52.251" v="1420" actId="208"/>
           <ac:spMkLst>
             <pc:docMk/>
             <pc:sldMk cId="2602252313" sldId="269"/>
@@ -1008,7 +1008,7 @@
           </ac:spMkLst>
         </pc:spChg>
         <pc:spChg chg="add mod">
-          <ac:chgData name="Alicia Fernandez Siles" userId="40ef6540-ab02-429b-82df-117fef470c87" providerId="ADAL" clId="{C942D655-BE8E-42F2-938D-74AF9D35D3BB}" dt="2023-06-06T16:57:20.367" v="615" actId="465"/>
+          <ac:chgData name="Alicia Fernandez Siles" userId="40ef6540-ab02-429b-82df-117fef470c87" providerId="ADAL" clId="{C942D655-BE8E-42F2-938D-74AF9D35D3BB}" dt="2023-06-07T09:18:14.548" v="1007" actId="1076"/>
           <ac:spMkLst>
             <pc:docMk/>
             <pc:sldMk cId="2602252313" sldId="269"/>
@@ -1040,7 +1040,7 @@
           </ac:spMkLst>
         </pc:spChg>
         <pc:spChg chg="mod">
-          <ac:chgData name="Alicia Fernandez Siles" userId="40ef6540-ab02-429b-82df-117fef470c87" providerId="ADAL" clId="{C942D655-BE8E-42F2-938D-74AF9D35D3BB}" dt="2023-06-06T16:12:15.300" v="236"/>
+          <ac:chgData name="Alicia Fernandez Siles" userId="40ef6540-ab02-429b-82df-117fef470c87" providerId="ADAL" clId="{C942D655-BE8E-42F2-938D-74AF9D35D3BB}" dt="2023-06-07T09:49:59.506" v="1421" actId="208"/>
           <ac:spMkLst>
             <pc:docMk/>
             <pc:sldMk cId="2602252313" sldId="269"/>
@@ -1048,7 +1048,7 @@
           </ac:spMkLst>
         </pc:spChg>
         <pc:spChg chg="mod">
-          <ac:chgData name="Alicia Fernandez Siles" userId="40ef6540-ab02-429b-82df-117fef470c87" providerId="ADAL" clId="{C942D655-BE8E-42F2-938D-74AF9D35D3BB}" dt="2023-06-06T16:13:06.112" v="262" actId="20577"/>
+          <ac:chgData name="Alicia Fernandez Siles" userId="40ef6540-ab02-429b-82df-117fef470c87" providerId="ADAL" clId="{C942D655-BE8E-42F2-938D-74AF9D35D3BB}" dt="2023-06-07T09:49:59.506" v="1421" actId="208"/>
           <ac:spMkLst>
             <pc:docMk/>
             <pc:sldMk cId="2602252313" sldId="269"/>
@@ -1096,7 +1096,7 @@
           </ac:spMkLst>
         </pc:spChg>
         <pc:spChg chg="mod">
-          <ac:chgData name="Alicia Fernandez Siles" userId="40ef6540-ab02-429b-82df-117fef470c87" providerId="ADAL" clId="{C942D655-BE8E-42F2-938D-74AF9D35D3BB}" dt="2023-06-06T16:49:29.495" v="546"/>
+          <ac:chgData name="Alicia Fernandez Siles" userId="40ef6540-ab02-429b-82df-117fef470c87" providerId="ADAL" clId="{C942D655-BE8E-42F2-938D-74AF9D35D3BB}" dt="2023-06-07T09:50:04.461" v="1422" actId="208"/>
           <ac:spMkLst>
             <pc:docMk/>
             <pc:sldMk cId="2602252313" sldId="269"/>
@@ -1104,7 +1104,7 @@
           </ac:spMkLst>
         </pc:spChg>
         <pc:spChg chg="mod">
-          <ac:chgData name="Alicia Fernandez Siles" userId="40ef6540-ab02-429b-82df-117fef470c87" providerId="ADAL" clId="{C942D655-BE8E-42F2-938D-74AF9D35D3BB}" dt="2023-06-06T16:49:54.515" v="565" actId="20577"/>
+          <ac:chgData name="Alicia Fernandez Siles" userId="40ef6540-ab02-429b-82df-117fef470c87" providerId="ADAL" clId="{C942D655-BE8E-42F2-938D-74AF9D35D3BB}" dt="2023-06-07T09:50:04.461" v="1422" actId="208"/>
           <ac:spMkLst>
             <pc:docMk/>
             <pc:sldMk cId="2602252313" sldId="269"/>
@@ -1191,6 +1191,14 @@
             <ac:cxnSpMk id="4" creationId="{D581CFD9-17E1-4233-B420-1D94AAF19305}"/>
           </ac:cxnSpMkLst>
         </pc:cxnChg>
+        <pc:cxnChg chg="add mod">
+          <ac:chgData name="Alicia Fernandez Siles" userId="40ef6540-ab02-429b-82df-117fef470c87" providerId="ADAL" clId="{C942D655-BE8E-42F2-938D-74AF9D35D3BB}" dt="2023-06-07T09:18:14.548" v="1007" actId="1076"/>
+          <ac:cxnSpMkLst>
+            <pc:docMk/>
+            <pc:sldMk cId="2602252313" sldId="269"/>
+            <ac:cxnSpMk id="5" creationId="{635E6E14-1CF4-45DF-829F-2C66EA336FEE}"/>
+          </ac:cxnSpMkLst>
+        </pc:cxnChg>
         <pc:cxnChg chg="mod">
           <ac:chgData name="Alicia Fernandez Siles" userId="40ef6540-ab02-429b-82df-117fef470c87" providerId="ADAL" clId="{C942D655-BE8E-42F2-938D-74AF9D35D3BB}" dt="2023-06-06T16:54:59.772" v="594" actId="12788"/>
           <ac:cxnSpMkLst>
@@ -1207,8 +1215,8 @@
             <ac:cxnSpMk id="24" creationId="{E2F1B0F9-94CB-4821-BBEC-23C119DC5F26}"/>
           </ac:cxnSpMkLst>
         </pc:cxnChg>
-        <pc:cxnChg chg="mod">
-          <ac:chgData name="Alicia Fernandez Siles" userId="40ef6540-ab02-429b-82df-117fef470c87" providerId="ADAL" clId="{C942D655-BE8E-42F2-938D-74AF9D35D3BB}" dt="2023-06-06T16:57:26.589" v="616" actId="14100"/>
+        <pc:cxnChg chg="del mod">
+          <ac:chgData name="Alicia Fernandez Siles" userId="40ef6540-ab02-429b-82df-117fef470c87" providerId="ADAL" clId="{C942D655-BE8E-42F2-938D-74AF9D35D3BB}" dt="2023-06-07T09:17:52.409" v="1005" actId="478"/>
           <ac:cxnSpMkLst>
             <pc:docMk/>
             <pc:sldMk cId="2602252313" sldId="269"/>
@@ -1240,7 +1248,7 @@
           </ac:cxnSpMkLst>
         </pc:cxnChg>
         <pc:cxnChg chg="add mod">
-          <ac:chgData name="Alicia Fernandez Siles" userId="40ef6540-ab02-429b-82df-117fef470c87" providerId="ADAL" clId="{C942D655-BE8E-42F2-938D-74AF9D35D3BB}" dt="2023-06-06T16:57:36.375" v="617" actId="14100"/>
+          <ac:chgData name="Alicia Fernandez Siles" userId="40ef6540-ab02-429b-82df-117fef470c87" providerId="ADAL" clId="{C942D655-BE8E-42F2-938D-74AF9D35D3BB}" dt="2023-06-07T09:18:14.548" v="1007" actId="1076"/>
           <ac:cxnSpMkLst>
             <pc:docMk/>
             <pc:sldMk cId="2602252313" sldId="269"/>
@@ -1277,6 +1285,549 @@
             <pc:docMk/>
             <pc:sldMk cId="2602252313" sldId="269"/>
             <ac:cxnSpMk id="127" creationId="{B19296C3-CE0F-46E4-AF6F-990A986C6FA7}"/>
+          </ac:cxnSpMkLst>
+        </pc:cxnChg>
+      </pc:sldChg>
+      <pc:sldChg chg="addSp delSp modSp mod">
+        <pc:chgData name="Alicia Fernandez Siles" userId="40ef6540-ab02-429b-82df-117fef470c87" providerId="ADAL" clId="{C942D655-BE8E-42F2-938D-74AF9D35D3BB}" dt="2023-06-07T09:49:14.600" v="1417" actId="208"/>
+        <pc:sldMkLst>
+          <pc:docMk/>
+          <pc:sldMk cId="1383345187" sldId="271"/>
+        </pc:sldMkLst>
+        <pc:spChg chg="mod">
+          <ac:chgData name="Alicia Fernandez Siles" userId="40ef6540-ab02-429b-82df-117fef470c87" providerId="ADAL" clId="{C942D655-BE8E-42F2-938D-74AF9D35D3BB}" dt="2023-06-07T09:37:28.565" v="1173" actId="12788"/>
+          <ac:spMkLst>
+            <pc:docMk/>
+            <pc:sldMk cId="1383345187" sldId="271"/>
+            <ac:spMk id="6" creationId="{B5BE74A9-6DD2-4117-804D-E91955CFB23D}"/>
+          </ac:spMkLst>
+        </pc:spChg>
+        <pc:spChg chg="del">
+          <ac:chgData name="Alicia Fernandez Siles" userId="40ef6540-ab02-429b-82df-117fef470c87" providerId="ADAL" clId="{C942D655-BE8E-42F2-938D-74AF9D35D3BB}" dt="2023-06-07T09:26:31.320" v="1147" actId="478"/>
+          <ac:spMkLst>
+            <pc:docMk/>
+            <pc:sldMk cId="1383345187" sldId="271"/>
+            <ac:spMk id="9" creationId="{CA096CAE-26C7-4C0E-8005-827408192ED1}"/>
+          </ac:spMkLst>
+        </pc:spChg>
+        <pc:spChg chg="mod">
+          <ac:chgData name="Alicia Fernandez Siles" userId="40ef6540-ab02-429b-82df-117fef470c87" providerId="ADAL" clId="{C942D655-BE8E-42F2-938D-74AF9D35D3BB}" dt="2023-06-07T09:49:05.804" v="1415" actId="208"/>
+          <ac:spMkLst>
+            <pc:docMk/>
+            <pc:sldMk cId="1383345187" sldId="271"/>
+            <ac:spMk id="17" creationId="{6D76215F-CAE7-4032-9309-5EA4B46D47CC}"/>
+          </ac:spMkLst>
+        </pc:spChg>
+        <pc:spChg chg="mod">
+          <ac:chgData name="Alicia Fernandez Siles" userId="40ef6540-ab02-429b-82df-117fef470c87" providerId="ADAL" clId="{C942D655-BE8E-42F2-938D-74AF9D35D3BB}" dt="2023-06-07T09:49:05.804" v="1415" actId="208"/>
+          <ac:spMkLst>
+            <pc:docMk/>
+            <pc:sldMk cId="1383345187" sldId="271"/>
+            <ac:spMk id="25" creationId="{6A82B778-ED00-4C8D-B3AC-F6D377959324}"/>
+          </ac:spMkLst>
+        </pc:spChg>
+        <pc:spChg chg="mod">
+          <ac:chgData name="Alicia Fernandez Siles" userId="40ef6540-ab02-429b-82df-117fef470c87" providerId="ADAL" clId="{C942D655-BE8E-42F2-938D-74AF9D35D3BB}" dt="2023-06-07T09:48:53.987" v="1413" actId="208"/>
+          <ac:spMkLst>
+            <pc:docMk/>
+            <pc:sldMk cId="1383345187" sldId="271"/>
+            <ac:spMk id="26" creationId="{FD84C350-82C8-48D1-9A50-FB8FCE866FAC}"/>
+          </ac:spMkLst>
+        </pc:spChg>
+        <pc:spChg chg="mod">
+          <ac:chgData name="Alicia Fernandez Siles" userId="40ef6540-ab02-429b-82df-117fef470c87" providerId="ADAL" clId="{C942D655-BE8E-42F2-938D-74AF9D35D3BB}" dt="2023-06-07T09:48:57.492" v="1414" actId="208"/>
+          <ac:spMkLst>
+            <pc:docMk/>
+            <pc:sldMk cId="1383345187" sldId="271"/>
+            <ac:spMk id="27" creationId="{332435A0-FB20-4DE1-822B-82D5B6080555}"/>
+          </ac:spMkLst>
+        </pc:spChg>
+        <pc:spChg chg="mod">
+          <ac:chgData name="Alicia Fernandez Siles" userId="40ef6540-ab02-429b-82df-117fef470c87" providerId="ADAL" clId="{C942D655-BE8E-42F2-938D-74AF9D35D3BB}" dt="2023-06-07T09:48:41.954" v="1411" actId="208"/>
+          <ac:spMkLst>
+            <pc:docMk/>
+            <pc:sldMk cId="1383345187" sldId="271"/>
+            <ac:spMk id="34" creationId="{E8468256-9F89-4303-B3B6-00027277006A}"/>
+          </ac:spMkLst>
+        </pc:spChg>
+        <pc:spChg chg="mod">
+          <ac:chgData name="Alicia Fernandez Siles" userId="40ef6540-ab02-429b-82df-117fef470c87" providerId="ADAL" clId="{C942D655-BE8E-42F2-938D-74AF9D35D3BB}" dt="2023-06-07T09:48:47.004" v="1412" actId="208"/>
+          <ac:spMkLst>
+            <pc:docMk/>
+            <pc:sldMk cId="1383345187" sldId="271"/>
+            <ac:spMk id="35" creationId="{E0F68C6B-1089-40EB-A6A8-6852F0424845}"/>
+          </ac:spMkLst>
+        </pc:spChg>
+        <pc:spChg chg="mod">
+          <ac:chgData name="Alicia Fernandez Siles" userId="40ef6540-ab02-429b-82df-117fef470c87" providerId="ADAL" clId="{C942D655-BE8E-42F2-938D-74AF9D35D3BB}" dt="2023-06-07T09:37:38.975" v="1175" actId="465"/>
+          <ac:spMkLst>
+            <pc:docMk/>
+            <pc:sldMk cId="1383345187" sldId="271"/>
+            <ac:spMk id="40" creationId="{EC8C29AA-1BC3-440A-A7CB-CA017B0941D6}"/>
+          </ac:spMkLst>
+        </pc:spChg>
+        <pc:spChg chg="add mod">
+          <ac:chgData name="Alicia Fernandez Siles" userId="40ef6540-ab02-429b-82df-117fef470c87" providerId="ADAL" clId="{C942D655-BE8E-42F2-938D-74AF9D35D3BB}" dt="2023-06-07T09:47:56.487" v="1410" actId="12788"/>
+          <ac:spMkLst>
+            <pc:docMk/>
+            <pc:sldMk cId="1383345187" sldId="271"/>
+            <ac:spMk id="41" creationId="{DAA210D6-6295-48E9-9CE0-A9EF6C85305A}"/>
+          </ac:spMkLst>
+        </pc:spChg>
+        <pc:spChg chg="del mod">
+          <ac:chgData name="Alicia Fernandez Siles" userId="40ef6540-ab02-429b-82df-117fef470c87" providerId="ADAL" clId="{C942D655-BE8E-42F2-938D-74AF9D35D3BB}" dt="2023-06-07T09:15:47.373" v="998" actId="478"/>
+          <ac:spMkLst>
+            <pc:docMk/>
+            <pc:sldMk cId="1383345187" sldId="271"/>
+            <ac:spMk id="42" creationId="{6BF70E08-F116-451D-B52A-FBEEEDD2D9EB}"/>
+          </ac:spMkLst>
+        </pc:spChg>
+        <pc:spChg chg="del">
+          <ac:chgData name="Alicia Fernandez Siles" userId="40ef6540-ab02-429b-82df-117fef470c87" providerId="ADAL" clId="{C942D655-BE8E-42F2-938D-74AF9D35D3BB}" dt="2023-06-07T09:15:48.421" v="999" actId="478"/>
+          <ac:spMkLst>
+            <pc:docMk/>
+            <pc:sldMk cId="1383345187" sldId="271"/>
+            <ac:spMk id="43" creationId="{DC03AA3B-689A-4EF5-99B9-6D8E0062F2EF}"/>
+          </ac:spMkLst>
+        </pc:spChg>
+        <pc:spChg chg="add mod">
+          <ac:chgData name="Alicia Fernandez Siles" userId="40ef6540-ab02-429b-82df-117fef470c87" providerId="ADAL" clId="{C942D655-BE8E-42F2-938D-74AF9D35D3BB}" dt="2023-06-07T09:46:23.516" v="1399" actId="12788"/>
+          <ac:spMkLst>
+            <pc:docMk/>
+            <pc:sldMk cId="1383345187" sldId="271"/>
+            <ac:spMk id="45" creationId="{31D0CA9D-67F2-4BBC-98BD-EB56CADFB13E}"/>
+          </ac:spMkLst>
+        </pc:spChg>
+        <pc:spChg chg="add del mod">
+          <ac:chgData name="Alicia Fernandez Siles" userId="40ef6540-ab02-429b-82df-117fef470c87" providerId="ADAL" clId="{C942D655-BE8E-42F2-938D-74AF9D35D3BB}" dt="2023-06-07T07:29:50.512" v="645"/>
+          <ac:spMkLst>
+            <pc:docMk/>
+            <pc:sldMk cId="1383345187" sldId="271"/>
+            <ac:spMk id="46" creationId="{934005B6-17C5-44D1-9447-A25D47DE3BD1}"/>
+          </ac:spMkLst>
+        </pc:spChg>
+        <pc:spChg chg="add del mod">
+          <ac:chgData name="Alicia Fernandez Siles" userId="40ef6540-ab02-429b-82df-117fef470c87" providerId="ADAL" clId="{C942D655-BE8E-42F2-938D-74AF9D35D3BB}" dt="2023-06-07T07:29:50.512" v="645"/>
+          <ac:spMkLst>
+            <pc:docMk/>
+            <pc:sldMk cId="1383345187" sldId="271"/>
+            <ac:spMk id="47" creationId="{0741602C-4272-44FA-977A-925AE0107DBB}"/>
+          </ac:spMkLst>
+        </pc:spChg>
+        <pc:spChg chg="add mod">
+          <ac:chgData name="Alicia Fernandez Siles" userId="40ef6540-ab02-429b-82df-117fef470c87" providerId="ADAL" clId="{C942D655-BE8E-42F2-938D-74AF9D35D3BB}" dt="2023-06-07T09:37:38.975" v="1175" actId="465"/>
+          <ac:spMkLst>
+            <pc:docMk/>
+            <pc:sldMk cId="1383345187" sldId="271"/>
+            <ac:spMk id="48" creationId="{937E6283-AB06-4539-B8DC-F34708B0C2AE}"/>
+          </ac:spMkLst>
+        </pc:spChg>
+        <pc:spChg chg="mod">
+          <ac:chgData name="Alicia Fernandez Siles" userId="40ef6540-ab02-429b-82df-117fef470c87" providerId="ADAL" clId="{C942D655-BE8E-42F2-938D-74AF9D35D3BB}" dt="2023-06-07T09:37:57.537" v="1176" actId="465"/>
+          <ac:spMkLst>
+            <pc:docMk/>
+            <pc:sldMk cId="1383345187" sldId="271"/>
+            <ac:spMk id="49" creationId="{FF906F01-5E1E-4486-9969-5472AAEBB063}"/>
+          </ac:spMkLst>
+        </pc:spChg>
+        <pc:spChg chg="mod">
+          <ac:chgData name="Alicia Fernandez Siles" userId="40ef6540-ab02-429b-82df-117fef470c87" providerId="ADAL" clId="{C942D655-BE8E-42F2-938D-74AF9D35D3BB}" dt="2023-06-07T09:37:57.537" v="1176" actId="465"/>
+          <ac:spMkLst>
+            <pc:docMk/>
+            <pc:sldMk cId="1383345187" sldId="271"/>
+            <ac:spMk id="50" creationId="{5B59A5C8-9B14-4351-BE82-7D1AE0C155F4}"/>
+          </ac:spMkLst>
+        </pc:spChg>
+        <pc:spChg chg="mod">
+          <ac:chgData name="Alicia Fernandez Siles" userId="40ef6540-ab02-429b-82df-117fef470c87" providerId="ADAL" clId="{C942D655-BE8E-42F2-938D-74AF9D35D3BB}" dt="2023-06-07T09:46:03.385" v="1396" actId="12788"/>
+          <ac:spMkLst>
+            <pc:docMk/>
+            <pc:sldMk cId="1383345187" sldId="271"/>
+            <ac:spMk id="51" creationId="{DAE3A5B2-9C64-4B1C-8E1A-E08F7F78871C}"/>
+          </ac:spMkLst>
+        </pc:spChg>
+        <pc:spChg chg="add del mod">
+          <ac:chgData name="Alicia Fernandez Siles" userId="40ef6540-ab02-429b-82df-117fef470c87" providerId="ADAL" clId="{C942D655-BE8E-42F2-938D-74AF9D35D3BB}" dt="2023-06-07T09:12:05.314" v="686"/>
+          <ac:spMkLst>
+            <pc:docMk/>
+            <pc:sldMk cId="1383345187" sldId="271"/>
+            <ac:spMk id="53" creationId="{D58543ED-DAF9-49D7-8BE3-79AD6F1763B0}"/>
+          </ac:spMkLst>
+        </pc:spChg>
+        <pc:spChg chg="add mod">
+          <ac:chgData name="Alicia Fernandez Siles" userId="40ef6540-ab02-429b-82df-117fef470c87" providerId="ADAL" clId="{C942D655-BE8E-42F2-938D-74AF9D35D3BB}" dt="2023-06-07T09:47:56.487" v="1410" actId="12788"/>
+          <ac:spMkLst>
+            <pc:docMk/>
+            <pc:sldMk cId="1383345187" sldId="271"/>
+            <ac:spMk id="54" creationId="{18F6EA35-0A28-4D6F-8C10-3F25BF25BE45}"/>
+          </ac:spMkLst>
+        </pc:spChg>
+        <pc:spChg chg="add mod">
+          <ac:chgData name="Alicia Fernandez Siles" userId="40ef6540-ab02-429b-82df-117fef470c87" providerId="ADAL" clId="{C942D655-BE8E-42F2-938D-74AF9D35D3BB}" dt="2023-06-07T09:46:23.516" v="1399" actId="12788"/>
+          <ac:spMkLst>
+            <pc:docMk/>
+            <pc:sldMk cId="1383345187" sldId="271"/>
+            <ac:spMk id="56" creationId="{0071541A-E6B8-40BB-B04C-B49F1EF19DA8}"/>
+          </ac:spMkLst>
+        </pc:spChg>
+        <pc:spChg chg="add mod">
+          <ac:chgData name="Alicia Fernandez Siles" userId="40ef6540-ab02-429b-82df-117fef470c87" providerId="ADAL" clId="{C942D655-BE8E-42F2-938D-74AF9D35D3BB}" dt="2023-06-07T09:47:56.487" v="1410" actId="12788"/>
+          <ac:spMkLst>
+            <pc:docMk/>
+            <pc:sldMk cId="1383345187" sldId="271"/>
+            <ac:spMk id="57" creationId="{32E1F2FF-AA0A-43F6-AE15-C3C65BBBA7FE}"/>
+          </ac:spMkLst>
+        </pc:spChg>
+        <pc:spChg chg="add mod">
+          <ac:chgData name="Alicia Fernandez Siles" userId="40ef6540-ab02-429b-82df-117fef470c87" providerId="ADAL" clId="{C942D655-BE8E-42F2-938D-74AF9D35D3BB}" dt="2023-06-07T09:46:23.516" v="1399" actId="12788"/>
+          <ac:spMkLst>
+            <pc:docMk/>
+            <pc:sldMk cId="1383345187" sldId="271"/>
+            <ac:spMk id="59" creationId="{D76A1123-3B32-4287-A901-4956FD1C01E2}"/>
+          </ac:spMkLst>
+        </pc:spChg>
+        <pc:spChg chg="add mod">
+          <ac:chgData name="Alicia Fernandez Siles" userId="40ef6540-ab02-429b-82df-117fef470c87" providerId="ADAL" clId="{C942D655-BE8E-42F2-938D-74AF9D35D3BB}" dt="2023-06-07T09:47:56.487" v="1410" actId="12788"/>
+          <ac:spMkLst>
+            <pc:docMk/>
+            <pc:sldMk cId="1383345187" sldId="271"/>
+            <ac:spMk id="60" creationId="{971A3C30-2D57-41DA-B19F-3BA6A29164E8}"/>
+          </ac:spMkLst>
+        </pc:spChg>
+        <pc:spChg chg="add mod">
+          <ac:chgData name="Alicia Fernandez Siles" userId="40ef6540-ab02-429b-82df-117fef470c87" providerId="ADAL" clId="{C942D655-BE8E-42F2-938D-74AF9D35D3BB}" dt="2023-06-07T09:46:23.516" v="1399" actId="12788"/>
+          <ac:spMkLst>
+            <pc:docMk/>
+            <pc:sldMk cId="1383345187" sldId="271"/>
+            <ac:spMk id="61" creationId="{8D801E5E-8FCB-4F75-80D0-54D4687E1B64}"/>
+          </ac:spMkLst>
+        </pc:spChg>
+        <pc:spChg chg="add mod">
+          <ac:chgData name="Alicia Fernandez Siles" userId="40ef6540-ab02-429b-82df-117fef470c87" providerId="ADAL" clId="{C942D655-BE8E-42F2-938D-74AF9D35D3BB}" dt="2023-06-07T09:47:56.487" v="1410" actId="12788"/>
+          <ac:spMkLst>
+            <pc:docMk/>
+            <pc:sldMk cId="1383345187" sldId="271"/>
+            <ac:spMk id="62" creationId="{4F92B956-4008-45AB-9466-914F9F497410}"/>
+          </ac:spMkLst>
+        </pc:spChg>
+        <pc:spChg chg="mod">
+          <ac:chgData name="Alicia Fernandez Siles" userId="40ef6540-ab02-429b-82df-117fef470c87" providerId="ADAL" clId="{C942D655-BE8E-42F2-938D-74AF9D35D3BB}" dt="2023-06-07T09:37:57.537" v="1176" actId="465"/>
+          <ac:spMkLst>
+            <pc:docMk/>
+            <pc:sldMk cId="1383345187" sldId="271"/>
+            <ac:spMk id="63" creationId="{BA32B87C-11C0-46A1-8DDF-2FD912286247}"/>
+          </ac:spMkLst>
+        </pc:spChg>
+        <pc:spChg chg="add mod">
+          <ac:chgData name="Alicia Fernandez Siles" userId="40ef6540-ab02-429b-82df-117fef470c87" providerId="ADAL" clId="{C942D655-BE8E-42F2-938D-74AF9D35D3BB}" dt="2023-06-07T09:47:40.788" v="1408" actId="1076"/>
+          <ac:spMkLst>
+            <pc:docMk/>
+            <pc:sldMk cId="1383345187" sldId="271"/>
+            <ac:spMk id="65" creationId="{0EC92992-3266-492F-9701-3818791676AC}"/>
+          </ac:spMkLst>
+        </pc:spChg>
+        <pc:spChg chg="mod">
+          <ac:chgData name="Alicia Fernandez Siles" userId="40ef6540-ab02-429b-82df-117fef470c87" providerId="ADAL" clId="{C942D655-BE8E-42F2-938D-74AF9D35D3BB}" dt="2023-06-07T09:37:38.975" v="1175" actId="465"/>
+          <ac:spMkLst>
+            <pc:docMk/>
+            <pc:sldMk cId="1383345187" sldId="271"/>
+            <ac:spMk id="71" creationId="{0A57985F-EE8A-403C-BDC1-DDD9D4ECDE5A}"/>
+          </ac:spMkLst>
+        </pc:spChg>
+        <pc:spChg chg="add mod">
+          <ac:chgData name="Alicia Fernandez Siles" userId="40ef6540-ab02-429b-82df-117fef470c87" providerId="ADAL" clId="{C942D655-BE8E-42F2-938D-74AF9D35D3BB}" dt="2023-06-07T09:46:03.385" v="1396" actId="12788"/>
+          <ac:spMkLst>
+            <pc:docMk/>
+            <pc:sldMk cId="1383345187" sldId="271"/>
+            <ac:spMk id="74" creationId="{84812EAB-C12A-4631-9EDE-AA4EE0FD7B6C}"/>
+          </ac:spMkLst>
+        </pc:spChg>
+        <pc:spChg chg="add del mod">
+          <ac:chgData name="Alicia Fernandez Siles" userId="40ef6540-ab02-429b-82df-117fef470c87" providerId="ADAL" clId="{C942D655-BE8E-42F2-938D-74AF9D35D3BB}" dt="2023-06-07T09:42:49.751" v="1221" actId="478"/>
+          <ac:spMkLst>
+            <pc:docMk/>
+            <pc:sldMk cId="1383345187" sldId="271"/>
+            <ac:spMk id="75" creationId="{80D1B035-ED6C-44CC-BBD7-1664458D664B}"/>
+          </ac:spMkLst>
+        </pc:spChg>
+        <pc:spChg chg="add del mod">
+          <ac:chgData name="Alicia Fernandez Siles" userId="40ef6540-ab02-429b-82df-117fef470c87" providerId="ADAL" clId="{C942D655-BE8E-42F2-938D-74AF9D35D3BB}" dt="2023-06-07T09:42:46.795" v="1219" actId="478"/>
+          <ac:spMkLst>
+            <pc:docMk/>
+            <pc:sldMk cId="1383345187" sldId="271"/>
+            <ac:spMk id="76" creationId="{4581F5D9-E33A-486C-9EFC-C3126A85A60F}"/>
+          </ac:spMkLst>
+        </pc:spChg>
+        <pc:spChg chg="add mod">
+          <ac:chgData name="Alicia Fernandez Siles" userId="40ef6540-ab02-429b-82df-117fef470c87" providerId="ADAL" clId="{C942D655-BE8E-42F2-938D-74AF9D35D3BB}" dt="2023-06-07T09:46:03.385" v="1396" actId="12788"/>
+          <ac:spMkLst>
+            <pc:docMk/>
+            <pc:sldMk cId="1383345187" sldId="271"/>
+            <ac:spMk id="77" creationId="{5156BD81-FCE0-406F-9D53-FFE12A06E050}"/>
+          </ac:spMkLst>
+        </pc:spChg>
+        <pc:spChg chg="add del mod">
+          <ac:chgData name="Alicia Fernandez Siles" userId="40ef6540-ab02-429b-82df-117fef470c87" providerId="ADAL" clId="{C942D655-BE8E-42F2-938D-74AF9D35D3BB}" dt="2023-06-07T09:41:15.725" v="1206" actId="478"/>
+          <ac:spMkLst>
+            <pc:docMk/>
+            <pc:sldMk cId="1383345187" sldId="271"/>
+            <ac:spMk id="79" creationId="{17FA5548-EDBF-410E-969B-BF7A407D3396}"/>
+          </ac:spMkLst>
+        </pc:spChg>
+        <pc:spChg chg="add del mod">
+          <ac:chgData name="Alicia Fernandez Siles" userId="40ef6540-ab02-429b-82df-117fef470c87" providerId="ADAL" clId="{C942D655-BE8E-42F2-938D-74AF9D35D3BB}" dt="2023-06-07T09:39:57.790" v="1192" actId="478"/>
+          <ac:spMkLst>
+            <pc:docMk/>
+            <pc:sldMk cId="1383345187" sldId="271"/>
+            <ac:spMk id="81" creationId="{54C3EF51-1A8C-46CD-9639-2885E657B801}"/>
+          </ac:spMkLst>
+        </pc:spChg>
+        <pc:spChg chg="add del mod">
+          <ac:chgData name="Alicia Fernandez Siles" userId="40ef6540-ab02-429b-82df-117fef470c87" providerId="ADAL" clId="{C942D655-BE8E-42F2-938D-74AF9D35D3BB}" dt="2023-06-07T09:42:48.889" v="1220" actId="478"/>
+          <ac:spMkLst>
+            <pc:docMk/>
+            <pc:sldMk cId="1383345187" sldId="271"/>
+            <ac:spMk id="82" creationId="{B5458925-9C3E-45B0-8A65-B03F82F89169}"/>
+          </ac:spMkLst>
+        </pc:spChg>
+        <pc:spChg chg="del">
+          <ac:chgData name="Alicia Fernandez Siles" userId="40ef6540-ab02-429b-82df-117fef470c87" providerId="ADAL" clId="{C942D655-BE8E-42F2-938D-74AF9D35D3BB}" dt="2023-06-07T07:29:52.988" v="646" actId="21"/>
+          <ac:spMkLst>
+            <pc:docMk/>
+            <pc:sldMk cId="1383345187" sldId="271"/>
+            <ac:spMk id="94" creationId="{8F7D9C5C-08FC-4610-B42E-28B73D9E2DDD}"/>
+          </ac:spMkLst>
+        </pc:spChg>
+        <pc:spChg chg="mod">
+          <ac:chgData name="Alicia Fernandez Siles" userId="40ef6540-ab02-429b-82df-117fef470c87" providerId="ADAL" clId="{C942D655-BE8E-42F2-938D-74AF9D35D3BB}" dt="2023-06-07T09:27:45.440" v="1153" actId="1076"/>
+          <ac:spMkLst>
+            <pc:docMk/>
+            <pc:sldMk cId="1383345187" sldId="271"/>
+            <ac:spMk id="105" creationId="{BDBDAB2A-3D72-490F-851E-7C952A7A6E1E}"/>
+          </ac:spMkLst>
+        </pc:spChg>
+        <pc:spChg chg="mod">
+          <ac:chgData name="Alicia Fernandez Siles" userId="40ef6540-ab02-429b-82df-117fef470c87" providerId="ADAL" clId="{C942D655-BE8E-42F2-938D-74AF9D35D3BB}" dt="2023-06-07T09:49:14.600" v="1417" actId="208"/>
+          <ac:spMkLst>
+            <pc:docMk/>
+            <pc:sldMk cId="1383345187" sldId="271"/>
+            <ac:spMk id="115" creationId="{4AA66E7F-46C3-4B2C-BD7C-4CA48EEFBFC4}"/>
+          </ac:spMkLst>
+        </pc:spChg>
+        <pc:spChg chg="mod">
+          <ac:chgData name="Alicia Fernandez Siles" userId="40ef6540-ab02-429b-82df-117fef470c87" providerId="ADAL" clId="{C942D655-BE8E-42F2-938D-74AF9D35D3BB}" dt="2023-06-07T09:49:14.600" v="1417" actId="208"/>
+          <ac:spMkLst>
+            <pc:docMk/>
+            <pc:sldMk cId="1383345187" sldId="271"/>
+            <ac:spMk id="116" creationId="{5EDE78B0-31D6-4F6C-8CFC-916F5DB47594}"/>
+          </ac:spMkLst>
+        </pc:spChg>
+        <pc:spChg chg="mod">
+          <ac:chgData name="Alicia Fernandez Siles" userId="40ef6540-ab02-429b-82df-117fef470c87" providerId="ADAL" clId="{C942D655-BE8E-42F2-938D-74AF9D35D3BB}" dt="2023-06-07T09:46:03.385" v="1396" actId="12788"/>
+          <ac:spMkLst>
+            <pc:docMk/>
+            <pc:sldMk cId="1383345187" sldId="271"/>
+            <ac:spMk id="119" creationId="{FED9FFEF-4E3A-4FD3-9F4E-C389928C56E4}"/>
+          </ac:spMkLst>
+        </pc:spChg>
+        <pc:spChg chg="add mod">
+          <ac:chgData name="Alicia Fernandez Siles" userId="40ef6540-ab02-429b-82df-117fef470c87" providerId="ADAL" clId="{C942D655-BE8E-42F2-938D-74AF9D35D3BB}" dt="2023-06-07T09:46:48.349" v="1403" actId="12788"/>
+          <ac:spMkLst>
+            <pc:docMk/>
+            <pc:sldMk cId="1383345187" sldId="271"/>
+            <ac:spMk id="120" creationId="{14FBFF62-E8C2-4BDE-A2D5-0D42DA98C250}"/>
+          </ac:spMkLst>
+        </pc:spChg>
+        <pc:spChg chg="add mod">
+          <ac:chgData name="Alicia Fernandez Siles" userId="40ef6540-ab02-429b-82df-117fef470c87" providerId="ADAL" clId="{C942D655-BE8E-42F2-938D-74AF9D35D3BB}" dt="2023-06-07T09:46:23.516" v="1399" actId="12788"/>
+          <ac:spMkLst>
+            <pc:docMk/>
+            <pc:sldMk cId="1383345187" sldId="271"/>
+            <ac:spMk id="121" creationId="{3436C305-1CA6-46AC-BD8C-376C879C8E16}"/>
+          </ac:spMkLst>
+        </pc:spChg>
+        <pc:spChg chg="mod">
+          <ac:chgData name="Alicia Fernandez Siles" userId="40ef6540-ab02-429b-82df-117fef470c87" providerId="ADAL" clId="{C942D655-BE8E-42F2-938D-74AF9D35D3BB}" dt="2023-06-07T09:27:45.440" v="1153" actId="1076"/>
+          <ac:spMkLst>
+            <pc:docMk/>
+            <pc:sldMk cId="1383345187" sldId="271"/>
+            <ac:spMk id="125" creationId="{6BCECAB1-D306-4806-8AE8-F469316F0B75}"/>
+          </ac:spMkLst>
+        </pc:spChg>
+        <pc:spChg chg="mod">
+          <ac:chgData name="Alicia Fernandez Siles" userId="40ef6540-ab02-429b-82df-117fef470c87" providerId="ADAL" clId="{C942D655-BE8E-42F2-938D-74AF9D35D3BB}" dt="2023-06-07T09:27:00.599" v="1152" actId="1076"/>
+          <ac:spMkLst>
+            <pc:docMk/>
+            <pc:sldMk cId="1383345187" sldId="271"/>
+            <ac:spMk id="129" creationId="{10B24433-DC98-4506-817B-353C30647F2B}"/>
+          </ac:spMkLst>
+        </pc:spChg>
+        <pc:spChg chg="mod">
+          <ac:chgData name="Alicia Fernandez Siles" userId="40ef6540-ab02-429b-82df-117fef470c87" providerId="ADAL" clId="{C942D655-BE8E-42F2-938D-74AF9D35D3BB}" dt="2023-06-07T09:37:38.975" v="1175" actId="465"/>
+          <ac:spMkLst>
+            <pc:docMk/>
+            <pc:sldMk cId="1383345187" sldId="271"/>
+            <ac:spMk id="368" creationId="{C0C931FC-528C-4259-9D0D-DF9F928CFBAB}"/>
+          </ac:spMkLst>
+        </pc:spChg>
+        <pc:grpChg chg="mod">
+          <ac:chgData name="Alicia Fernandez Siles" userId="40ef6540-ab02-429b-82df-117fef470c87" providerId="ADAL" clId="{C942D655-BE8E-42F2-938D-74AF9D35D3BB}" dt="2023-06-07T09:27:45.440" v="1153" actId="1076"/>
+          <ac:grpSpMkLst>
+            <pc:docMk/>
+            <pc:sldMk cId="1383345187" sldId="271"/>
+            <ac:grpSpMk id="3" creationId="{2FB1F4DE-E314-46AF-8AA2-F88900B5627A}"/>
+          </ac:grpSpMkLst>
+        </pc:grpChg>
+        <pc:grpChg chg="mod">
+          <ac:chgData name="Alicia Fernandez Siles" userId="40ef6540-ab02-429b-82df-117fef470c87" providerId="ADAL" clId="{C942D655-BE8E-42F2-938D-74AF9D35D3BB}" dt="2023-06-07T09:27:45.440" v="1153" actId="1076"/>
+          <ac:grpSpMkLst>
+            <pc:docMk/>
+            <pc:sldMk cId="1383345187" sldId="271"/>
+            <ac:grpSpMk id="4" creationId="{2C2B6182-2527-4C62-B317-43625FCDB6AC}"/>
+          </ac:grpSpMkLst>
+        </pc:grpChg>
+        <pc:grpChg chg="mod">
+          <ac:chgData name="Alicia Fernandez Siles" userId="40ef6540-ab02-429b-82df-117fef470c87" providerId="ADAL" clId="{C942D655-BE8E-42F2-938D-74AF9D35D3BB}" dt="2023-06-07T09:27:45.440" v="1153" actId="1076"/>
+          <ac:grpSpMkLst>
+            <pc:docMk/>
+            <pc:sldMk cId="1383345187" sldId="271"/>
+            <ac:grpSpMk id="33" creationId="{6AE25F52-0FD5-46BF-8AC1-981D3F30B155}"/>
+          </ac:grpSpMkLst>
+        </pc:grpChg>
+        <pc:grpChg chg="mod">
+          <ac:chgData name="Alicia Fernandez Siles" userId="40ef6540-ab02-429b-82df-117fef470c87" providerId="ADAL" clId="{C942D655-BE8E-42F2-938D-74AF9D35D3BB}" dt="2023-06-07T09:43:22.997" v="1231" actId="14100"/>
+          <ac:grpSpMkLst>
+            <pc:docMk/>
+            <pc:sldMk cId="1383345187" sldId="271"/>
+            <ac:grpSpMk id="114" creationId="{8CA4A67C-DC72-425D-99AA-0C581566D828}"/>
+          </ac:grpSpMkLst>
+        </pc:grpChg>
+        <pc:cxnChg chg="mod">
+          <ac:chgData name="Alicia Fernandez Siles" userId="40ef6540-ab02-429b-82df-117fef470c87" providerId="ADAL" clId="{C942D655-BE8E-42F2-938D-74AF9D35D3BB}" dt="2023-06-07T09:46:03.385" v="1396" actId="12788"/>
+          <ac:cxnSpMkLst>
+            <pc:docMk/>
+            <pc:sldMk cId="1383345187" sldId="271"/>
+            <ac:cxnSpMk id="29" creationId="{9CF1D63E-58B3-4476-9AC1-64ECA4B59BF1}"/>
+          </ac:cxnSpMkLst>
+        </pc:cxnChg>
+        <pc:cxnChg chg="mod">
+          <ac:chgData name="Alicia Fernandez Siles" userId="40ef6540-ab02-429b-82df-117fef470c87" providerId="ADAL" clId="{C942D655-BE8E-42F2-938D-74AF9D35D3BB}" dt="2023-06-07T09:37:38.975" v="1175" actId="465"/>
+          <ac:cxnSpMkLst>
+            <pc:docMk/>
+            <pc:sldMk cId="1383345187" sldId="271"/>
+            <ac:cxnSpMk id="44" creationId="{684201CE-6710-4BD2-8962-B22589535B7F}"/>
+          </ac:cxnSpMkLst>
+        </pc:cxnChg>
+        <pc:cxnChg chg="mod">
+          <ac:chgData name="Alicia Fernandez Siles" userId="40ef6540-ab02-429b-82df-117fef470c87" providerId="ADAL" clId="{C942D655-BE8E-42F2-938D-74AF9D35D3BB}" dt="2023-06-07T09:37:38.975" v="1175" actId="465"/>
+          <ac:cxnSpMkLst>
+            <pc:docMk/>
+            <pc:sldMk cId="1383345187" sldId="271"/>
+            <ac:cxnSpMk id="52" creationId="{9C04AD74-7DED-44BC-8C73-5FFD5563772C}"/>
+          </ac:cxnSpMkLst>
+        </pc:cxnChg>
+        <pc:cxnChg chg="mod">
+          <ac:chgData name="Alicia Fernandez Siles" userId="40ef6540-ab02-429b-82df-117fef470c87" providerId="ADAL" clId="{C942D655-BE8E-42F2-938D-74AF9D35D3BB}" dt="2023-06-07T09:37:38.975" v="1175" actId="465"/>
+          <ac:cxnSpMkLst>
+            <pc:docMk/>
+            <pc:sldMk cId="1383345187" sldId="271"/>
+            <ac:cxnSpMk id="55" creationId="{1898B7D7-BAD6-45EE-A1FB-E1306BA2903A}"/>
+          </ac:cxnSpMkLst>
+        </pc:cxnChg>
+        <pc:cxnChg chg="mod">
+          <ac:chgData name="Alicia Fernandez Siles" userId="40ef6540-ab02-429b-82df-117fef470c87" providerId="ADAL" clId="{C942D655-BE8E-42F2-938D-74AF9D35D3BB}" dt="2023-06-07T09:37:38.975" v="1175" actId="465"/>
+          <ac:cxnSpMkLst>
+            <pc:docMk/>
+            <pc:sldMk cId="1383345187" sldId="271"/>
+            <ac:cxnSpMk id="58" creationId="{6EE6D597-E2EF-40A8-B550-0342E7C60819}"/>
+          </ac:cxnSpMkLst>
+        </pc:cxnChg>
+        <pc:cxnChg chg="mod">
+          <ac:chgData name="Alicia Fernandez Siles" userId="40ef6540-ab02-429b-82df-117fef470c87" providerId="ADAL" clId="{C942D655-BE8E-42F2-938D-74AF9D35D3BB}" dt="2023-06-07T09:38:06.340" v="1177" actId="14100"/>
+          <ac:cxnSpMkLst>
+            <pc:docMk/>
+            <pc:sldMk cId="1383345187" sldId="271"/>
+            <ac:cxnSpMk id="64" creationId="{2C4F27B0-38FD-4E23-B25E-57BE26CFD465}"/>
+          </ac:cxnSpMkLst>
+        </pc:cxnChg>
+        <pc:cxnChg chg="add del mod">
+          <ac:chgData name="Alicia Fernandez Siles" userId="40ef6540-ab02-429b-82df-117fef470c87" providerId="ADAL" clId="{C942D655-BE8E-42F2-938D-74AF9D35D3BB}" dt="2023-06-07T09:42:51.192" v="1222" actId="478"/>
+          <ac:cxnSpMkLst>
+            <pc:docMk/>
+            <pc:sldMk cId="1383345187" sldId="271"/>
+            <ac:cxnSpMk id="78" creationId="{E9AFC7BB-E8CE-4766-9CDB-6BAA1ABC10FC}"/>
+          </ac:cxnSpMkLst>
+        </pc:cxnChg>
+        <pc:cxnChg chg="add del mod">
+          <ac:chgData name="Alicia Fernandez Siles" userId="40ef6540-ab02-429b-82df-117fef470c87" providerId="ADAL" clId="{C942D655-BE8E-42F2-938D-74AF9D35D3BB}" dt="2023-06-07T09:42:52.535" v="1223" actId="478"/>
+          <ac:cxnSpMkLst>
+            <pc:docMk/>
+            <pc:sldMk cId="1383345187" sldId="271"/>
+            <ac:cxnSpMk id="80" creationId="{CC429CE2-FA2E-4CC9-9BB6-1DA0DF9C349A}"/>
+          </ac:cxnSpMkLst>
+        </pc:cxnChg>
+        <pc:cxnChg chg="add del mod">
+          <ac:chgData name="Alicia Fernandez Siles" userId="40ef6540-ab02-429b-82df-117fef470c87" providerId="ADAL" clId="{C942D655-BE8E-42F2-938D-74AF9D35D3BB}" dt="2023-06-07T09:41:24.587" v="1209" actId="21"/>
+          <ac:cxnSpMkLst>
+            <pc:docMk/>
+            <pc:sldMk cId="1383345187" sldId="271"/>
+            <ac:cxnSpMk id="83" creationId="{A2D2C41C-49CE-4758-BE4C-32B76FC650A5}"/>
+          </ac:cxnSpMkLst>
+        </pc:cxnChg>
+        <pc:cxnChg chg="mod">
+          <ac:chgData name="Alicia Fernandez Siles" userId="40ef6540-ab02-429b-82df-117fef470c87" providerId="ADAL" clId="{C942D655-BE8E-42F2-938D-74AF9D35D3BB}" dt="2023-06-07T09:37:38.975" v="1175" actId="465"/>
+          <ac:cxnSpMkLst>
+            <pc:docMk/>
+            <pc:sldMk cId="1383345187" sldId="271"/>
+            <ac:cxnSpMk id="95" creationId="{40BD1CC8-BBCD-4770-8366-CF3312DA5FB9}"/>
+          </ac:cxnSpMkLst>
+        </pc:cxnChg>
+        <pc:cxnChg chg="add mod">
+          <ac:chgData name="Alicia Fernandez Siles" userId="40ef6540-ab02-429b-82df-117fef470c87" providerId="ADAL" clId="{C942D655-BE8E-42F2-938D-74AF9D35D3BB}" dt="2023-06-07T09:46:03.385" v="1396" actId="12788"/>
+          <ac:cxnSpMkLst>
+            <pc:docMk/>
+            <pc:sldMk cId="1383345187" sldId="271"/>
+            <ac:cxnSpMk id="99" creationId="{4A6CC10E-1C04-4525-A427-5F34FAB72857}"/>
+          </ac:cxnSpMkLst>
+        </pc:cxnChg>
+        <pc:cxnChg chg="mod">
+          <ac:chgData name="Alicia Fernandez Siles" userId="40ef6540-ab02-429b-82df-117fef470c87" providerId="ADAL" clId="{C942D655-BE8E-42F2-938D-74AF9D35D3BB}" dt="2023-06-07T09:27:45.440" v="1153" actId="1076"/>
+          <ac:cxnSpMkLst>
+            <pc:docMk/>
+            <pc:sldMk cId="1383345187" sldId="271"/>
+            <ac:cxnSpMk id="101" creationId="{EDB0B9E9-180A-48A4-85FA-1711843CF32F}"/>
+          </ac:cxnSpMkLst>
+        </pc:cxnChg>
+        <pc:cxnChg chg="mod">
+          <ac:chgData name="Alicia Fernandez Siles" userId="40ef6540-ab02-429b-82df-117fef470c87" providerId="ADAL" clId="{C942D655-BE8E-42F2-938D-74AF9D35D3BB}" dt="2023-06-07T09:37:38.975" v="1175" actId="465"/>
+          <ac:cxnSpMkLst>
+            <pc:docMk/>
+            <pc:sldMk cId="1383345187" sldId="271"/>
+            <ac:cxnSpMk id="103" creationId="{74A02D21-1A71-4561-ABB9-855B941AD082}"/>
+          </ac:cxnSpMkLst>
+        </pc:cxnChg>
+        <pc:cxnChg chg="add mod">
+          <ac:chgData name="Alicia Fernandez Siles" userId="40ef6540-ab02-429b-82df-117fef470c87" providerId="ADAL" clId="{C942D655-BE8E-42F2-938D-74AF9D35D3BB}" dt="2023-06-07T09:46:07.469" v="1397" actId="14100"/>
+          <ac:cxnSpMkLst>
+            <pc:docMk/>
+            <pc:sldMk cId="1383345187" sldId="271"/>
+            <ac:cxnSpMk id="107" creationId="{BB1C8F90-3A32-4E7E-B005-5CE8434B9D16}"/>
+          </ac:cxnSpMkLst>
+        </pc:cxnChg>
+        <pc:cxnChg chg="mod">
+          <ac:chgData name="Alicia Fernandez Siles" userId="40ef6540-ab02-429b-82df-117fef470c87" providerId="ADAL" clId="{C942D655-BE8E-42F2-938D-74AF9D35D3BB}" dt="2023-06-07T09:47:11.468" v="1407" actId="14100"/>
+          <ac:cxnSpMkLst>
+            <pc:docMk/>
+            <pc:sldMk cId="1383345187" sldId="271"/>
+            <ac:cxnSpMk id="117" creationId="{8046EE4F-AC27-4DFA-903D-380A5E629BFC}"/>
+          </ac:cxnSpMkLst>
+        </pc:cxnChg>
+        <pc:cxnChg chg="del mod">
+          <ac:chgData name="Alicia Fernandez Siles" userId="40ef6540-ab02-429b-82df-117fef470c87" providerId="ADAL" clId="{C942D655-BE8E-42F2-938D-74AF9D35D3BB}" dt="2023-06-07T09:26:32.521" v="1148" actId="478"/>
+          <ac:cxnSpMkLst>
+            <pc:docMk/>
+            <pc:sldMk cId="1383345187" sldId="271"/>
+            <ac:cxnSpMk id="123" creationId="{0B3C73D9-7D71-421E-8695-478DECB02C67}"/>
           </ac:cxnSpMkLst>
         </pc:cxnChg>
       </pc:sldChg>
@@ -2868,7 +3419,7 @@
           <a:p>
             <a:fld id="{C647CD87-FEC0-4F94-A4F2-7C855C8C7DFB}" type="datetimeFigureOut">
               <a:rPr lang="es-ES" smtClean="0"/>
-              <a:t>06/06/2023</a:t>
+              <a:t>07/06/2023</a:t>
             </a:fld>
             <a:endParaRPr lang="es-ES" dirty="0"/>
           </a:p>
@@ -3349,7 +3900,7 @@
           <a:p>
             <a:fld id="{D5862CAE-3AF1-43EB-81D3-0A86D9E4C5C7}" type="datetimeFigureOut">
               <a:rPr lang="es-ES" smtClean="0"/>
-              <a:t>06/06/2023</a:t>
+              <a:t>07/06/2023</a:t>
             </a:fld>
             <a:endParaRPr lang="es-ES" dirty="0"/>
           </a:p>
@@ -3517,7 +4068,7 @@
           <a:p>
             <a:fld id="{D5862CAE-3AF1-43EB-81D3-0A86D9E4C5C7}" type="datetimeFigureOut">
               <a:rPr lang="es-ES" smtClean="0"/>
-              <a:t>06/06/2023</a:t>
+              <a:t>07/06/2023</a:t>
             </a:fld>
             <a:endParaRPr lang="es-ES" dirty="0"/>
           </a:p>
@@ -3695,7 +4246,7 @@
           <a:p>
             <a:fld id="{D5862CAE-3AF1-43EB-81D3-0A86D9E4C5C7}" type="datetimeFigureOut">
               <a:rPr lang="es-ES" smtClean="0"/>
-              <a:t>06/06/2023</a:t>
+              <a:t>07/06/2023</a:t>
             </a:fld>
             <a:endParaRPr lang="es-ES" dirty="0"/>
           </a:p>
@@ -3863,7 +4414,7 @@
           <a:p>
             <a:fld id="{D5862CAE-3AF1-43EB-81D3-0A86D9E4C5C7}" type="datetimeFigureOut">
               <a:rPr lang="es-ES" smtClean="0"/>
-              <a:t>06/06/2023</a:t>
+              <a:t>07/06/2023</a:t>
             </a:fld>
             <a:endParaRPr lang="es-ES" dirty="0"/>
           </a:p>
@@ -4106,7 +4657,7 @@
           <a:p>
             <a:fld id="{D5862CAE-3AF1-43EB-81D3-0A86D9E4C5C7}" type="datetimeFigureOut">
               <a:rPr lang="es-ES" smtClean="0"/>
-              <a:t>06/06/2023</a:t>
+              <a:t>07/06/2023</a:t>
             </a:fld>
             <a:endParaRPr lang="es-ES" dirty="0"/>
           </a:p>
@@ -4335,7 +4886,7 @@
           <a:p>
             <a:fld id="{D5862CAE-3AF1-43EB-81D3-0A86D9E4C5C7}" type="datetimeFigureOut">
               <a:rPr lang="es-ES" smtClean="0"/>
-              <a:t>06/06/2023</a:t>
+              <a:t>07/06/2023</a:t>
             </a:fld>
             <a:endParaRPr lang="es-ES" dirty="0"/>
           </a:p>
@@ -4699,7 +5250,7 @@
           <a:p>
             <a:fld id="{D5862CAE-3AF1-43EB-81D3-0A86D9E4C5C7}" type="datetimeFigureOut">
               <a:rPr lang="es-ES" smtClean="0"/>
-              <a:t>06/06/2023</a:t>
+              <a:t>07/06/2023</a:t>
             </a:fld>
             <a:endParaRPr lang="es-ES" dirty="0"/>
           </a:p>
@@ -4816,7 +5367,7 @@
           <a:p>
             <a:fld id="{D5862CAE-3AF1-43EB-81D3-0A86D9E4C5C7}" type="datetimeFigureOut">
               <a:rPr lang="es-ES" smtClean="0"/>
-              <a:t>06/06/2023</a:t>
+              <a:t>07/06/2023</a:t>
             </a:fld>
             <a:endParaRPr lang="es-ES" dirty="0"/>
           </a:p>
@@ -4911,7 +5462,7 @@
           <a:p>
             <a:fld id="{D5862CAE-3AF1-43EB-81D3-0A86D9E4C5C7}" type="datetimeFigureOut">
               <a:rPr lang="es-ES" smtClean="0"/>
-              <a:t>06/06/2023</a:t>
+              <a:t>07/06/2023</a:t>
             </a:fld>
             <a:endParaRPr lang="es-ES" dirty="0"/>
           </a:p>
@@ -5186,7 +5737,7 @@
           <a:p>
             <a:fld id="{D5862CAE-3AF1-43EB-81D3-0A86D9E4C5C7}" type="datetimeFigureOut">
               <a:rPr lang="es-ES" smtClean="0"/>
-              <a:t>06/06/2023</a:t>
+              <a:t>07/06/2023</a:t>
             </a:fld>
             <a:endParaRPr lang="es-ES" dirty="0"/>
           </a:p>
@@ -5441,7 +5992,7 @@
           <a:p>
             <a:fld id="{D5862CAE-3AF1-43EB-81D3-0A86D9E4C5C7}" type="datetimeFigureOut">
               <a:rPr lang="es-ES" smtClean="0"/>
-              <a:t>06/06/2023</a:t>
+              <a:t>07/06/2023</a:t>
             </a:fld>
             <a:endParaRPr lang="es-ES" dirty="0"/>
           </a:p>
@@ -5652,7 +6203,7 @@
           <a:p>
             <a:fld id="{D5862CAE-3AF1-43EB-81D3-0A86D9E4C5C7}" type="datetimeFigureOut">
               <a:rPr lang="es-ES" smtClean="0"/>
-              <a:t>06/06/2023</a:t>
+              <a:t>07/06/2023</a:t>
             </a:fld>
             <a:endParaRPr lang="es-ES" dirty="0"/>
           </a:p>
@@ -6931,48 +7482,6 @@
           </a:fontRef>
         </p:style>
       </p:cxnSp>
-      <p:cxnSp>
-        <p:nvCxnSpPr>
-          <p:cNvPr id="32" name="Conector recto de flecha 31">
-            <a:extLst>
-              <a:ext uri="{FF2B5EF4-FFF2-40B4-BE49-F238E27FC236}">
-                <a16:creationId xmlns:a16="http://schemas.microsoft.com/office/drawing/2014/main" id="{4FDFCB42-2FB1-486E-B8CB-07059560FD73}"/>
-              </a:ext>
-            </a:extLst>
-          </p:cNvPr>
-          <p:cNvCxnSpPr>
-            <a:cxnSpLocks/>
-            <a:endCxn id="42" idx="0"/>
-          </p:cNvCxnSpPr>
-          <p:nvPr/>
-        </p:nvCxnSpPr>
-        <p:spPr>
-          <a:xfrm>
-            <a:off x="3705585" y="8074402"/>
-            <a:ext cx="14641" cy="352568"/>
-          </a:xfrm>
-          <a:prstGeom prst="straightConnector1">
-            <a:avLst/>
-          </a:prstGeom>
-          <a:ln>
-            <a:tailEnd type="triangle"/>
-          </a:ln>
-        </p:spPr>
-        <p:style>
-          <a:lnRef idx="1">
-            <a:schemeClr val="accent1"/>
-          </a:lnRef>
-          <a:fillRef idx="0">
-            <a:schemeClr val="accent1"/>
-          </a:fillRef>
-          <a:effectRef idx="0">
-            <a:schemeClr val="accent1"/>
-          </a:effectRef>
-          <a:fontRef idx="minor">
-            <a:schemeClr val="tx1"/>
-          </a:fontRef>
-        </p:style>
-      </p:cxnSp>
       <p:sp>
         <p:nvSpPr>
           <p:cNvPr id="39" name="Diagrama de flujo: decisión 34">
@@ -7404,7 +7913,7 @@
             <a:noFill/>
             <a:ln>
               <a:solidFill>
-                <a:schemeClr val="accent1"/>
+                <a:schemeClr val="accent2"/>
               </a:solidFill>
             </a:ln>
           </p:spPr>
@@ -7456,7 +7965,7 @@
             <a:noFill/>
             <a:ln>
               <a:solidFill>
-                <a:schemeClr val="accent1"/>
+                <a:schemeClr val="accent2"/>
               </a:solidFill>
             </a:ln>
           </p:spPr>
@@ -7613,7 +8122,7 @@
             <a:noFill/>
             <a:ln>
               <a:solidFill>
-                <a:schemeClr val="accent1"/>
+                <a:schemeClr val="accent2"/>
               </a:solidFill>
             </a:ln>
           </p:spPr>
@@ -7665,7 +8174,7 @@
             <a:noFill/>
             <a:ln>
               <a:solidFill>
-                <a:schemeClr val="accent1"/>
+                <a:schemeClr val="accent2"/>
               </a:solidFill>
             </a:ln>
           </p:spPr>
@@ -7906,7 +8415,7 @@
         </p:nvSpPr>
         <p:spPr>
           <a:xfrm>
-            <a:off x="3229588" y="8426970"/>
+            <a:off x="3223257" y="8437776"/>
             <a:ext cx="981276" cy="326222"/>
           </a:xfrm>
           <a:prstGeom prst="roundRect">
@@ -8022,7 +8531,7 @@
         </p:nvCxnSpPr>
         <p:spPr>
           <a:xfrm>
-            <a:off x="3720226" y="8753192"/>
+            <a:off x="3713895" y="8763998"/>
             <a:ext cx="0" cy="427853"/>
           </a:xfrm>
           <a:prstGeom prst="straightConnector1">
@@ -8237,7 +8746,7 @@
             <a:noFill/>
             <a:ln>
               <a:solidFill>
-                <a:schemeClr val="accent1"/>
+                <a:schemeClr val="accent2"/>
               </a:solidFill>
             </a:ln>
           </p:spPr>
@@ -8289,7 +8798,7 @@
             <a:noFill/>
             <a:ln>
               <a:solidFill>
-                <a:schemeClr val="accent1"/>
+                <a:schemeClr val="accent2"/>
               </a:solidFill>
             </a:ln>
           </p:spPr>
@@ -8377,6 +8886,48 @@
           </a:p>
         </p:txBody>
       </p:sp>
+      <p:cxnSp>
+        <p:nvCxnSpPr>
+          <p:cNvPr id="5" name="Conector recto de flecha 4">
+            <a:extLst>
+              <a:ext uri="{FF2B5EF4-FFF2-40B4-BE49-F238E27FC236}">
+                <a16:creationId xmlns:a16="http://schemas.microsoft.com/office/drawing/2014/main" id="{635E6E14-1CF4-45DF-829F-2C66EA336FEE}"/>
+              </a:ext>
+            </a:extLst>
+          </p:cNvPr>
+          <p:cNvCxnSpPr>
+            <a:stCxn id="56" idx="2"/>
+            <a:endCxn id="42" idx="0"/>
+          </p:cNvCxnSpPr>
+          <p:nvPr/>
+        </p:nvCxnSpPr>
+        <p:spPr>
+          <a:xfrm>
+            <a:off x="3707488" y="8073354"/>
+            <a:ext cx="6407" cy="364422"/>
+          </a:xfrm>
+          <a:prstGeom prst="straightConnector1">
+            <a:avLst/>
+          </a:prstGeom>
+          <a:ln>
+            <a:tailEnd type="triangle"/>
+          </a:ln>
+        </p:spPr>
+        <p:style>
+          <a:lnRef idx="1">
+            <a:schemeClr val="accent1"/>
+          </a:lnRef>
+          <a:fillRef idx="0">
+            <a:schemeClr val="accent1"/>
+          </a:fillRef>
+          <a:effectRef idx="0">
+            <a:schemeClr val="accent1"/>
+          </a:effectRef>
+          <a:fontRef idx="minor">
+            <a:schemeClr val="tx1"/>
+          </a:fontRef>
+        </p:style>
+      </p:cxnSp>
     </p:spTree>
     <p:extLst>
       <p:ext uri="{BB962C8B-B14F-4D97-AF65-F5344CB8AC3E}">
@@ -8409,68 +8960,6 @@
       </p:grpSpPr>
       <p:sp>
         <p:nvSpPr>
-          <p:cNvPr id="9" name="Diagrama de flujo: conector 8">
-            <a:extLst>
-              <a:ext uri="{FF2B5EF4-FFF2-40B4-BE49-F238E27FC236}">
-                <a16:creationId xmlns:a16="http://schemas.microsoft.com/office/drawing/2014/main" id="{CA096CAE-26C7-4C0E-8005-827408192ED1}"/>
-              </a:ext>
-            </a:extLst>
-          </p:cNvPr>
-          <p:cNvSpPr/>
-          <p:nvPr/>
-        </p:nvSpPr>
-        <p:spPr>
-          <a:xfrm>
-            <a:off x="3632001" y="9649672"/>
-            <a:ext cx="360000" cy="360000"/>
-          </a:xfrm>
-          <a:prstGeom prst="flowChartConnector">
-            <a:avLst/>
-          </a:prstGeom>
-          <a:solidFill>
-            <a:srgbClr val="F8CECC"/>
-          </a:solidFill>
-          <a:ln w="19050">
-            <a:solidFill>
-              <a:srgbClr val="C00000"/>
-            </a:solidFill>
-          </a:ln>
-        </p:spPr>
-        <p:style>
-          <a:lnRef idx="2">
-            <a:schemeClr val="accent1">
-              <a:shade val="50000"/>
-            </a:schemeClr>
-          </a:lnRef>
-          <a:fillRef idx="1">
-            <a:schemeClr val="accent1"/>
-          </a:fillRef>
-          <a:effectRef idx="0">
-            <a:schemeClr val="accent1"/>
-          </a:effectRef>
-          <a:fontRef idx="minor">
-            <a:schemeClr val="lt1"/>
-          </a:fontRef>
-        </p:style>
-        <p:txBody>
-          <a:bodyPr wrap="none" rtlCol="0" anchor="ctr"/>
-          <a:lstStyle/>
-          <a:p>
-            <a:pPr algn="ctr"/>
-            <a:r>
-              <a:rPr lang="es-ES" sz="800" dirty="0">
-                <a:solidFill>
-                  <a:schemeClr val="tx1"/>
-                </a:solidFill>
-                <a:latin typeface="Xunta Sans" panose="00000500000000000000" pitchFamily="50" charset="0"/>
-              </a:rPr>
-              <a:t>Fin</a:t>
-            </a:r>
-          </a:p>
-        </p:txBody>
-      </p:sp>
-      <p:sp>
-        <p:nvSpPr>
           <p:cNvPr id="6" name="Diagrama de flujo: conector 5">
             <a:extLst>
               <a:ext uri="{FF2B5EF4-FFF2-40B4-BE49-F238E27FC236}">
@@ -8483,7 +8972,7 @@
         </p:nvSpPr>
         <p:spPr>
           <a:xfrm>
-            <a:off x="3632001" y="913675"/>
+            <a:off x="3562938" y="767054"/>
             <a:ext cx="360000" cy="360000"/>
           </a:xfrm>
           <a:prstGeom prst="flowChartConnector">
@@ -8533,48 +9022,6 @@
           </a:p>
         </p:txBody>
       </p:sp>
-      <p:cxnSp>
-        <p:nvCxnSpPr>
-          <p:cNvPr id="123" name="Conector recto de flecha 122">
-            <a:extLst>
-              <a:ext uri="{FF2B5EF4-FFF2-40B4-BE49-F238E27FC236}">
-                <a16:creationId xmlns:a16="http://schemas.microsoft.com/office/drawing/2014/main" id="{0B3C73D9-7D71-421E-8695-478DECB02C67}"/>
-              </a:ext>
-            </a:extLst>
-          </p:cNvPr>
-          <p:cNvCxnSpPr>
-            <a:cxnSpLocks/>
-            <a:endCxn id="9" idx="0"/>
-          </p:cNvCxnSpPr>
-          <p:nvPr/>
-        </p:nvCxnSpPr>
-        <p:spPr>
-          <a:xfrm flipH="1">
-            <a:off x="3812001" y="9022804"/>
-            <a:ext cx="1" cy="626868"/>
-          </a:xfrm>
-          <a:prstGeom prst="straightConnector1">
-            <a:avLst/>
-          </a:prstGeom>
-          <a:ln>
-            <a:tailEnd type="triangle"/>
-          </a:ln>
-        </p:spPr>
-        <p:style>
-          <a:lnRef idx="1">
-            <a:schemeClr val="accent1"/>
-          </a:lnRef>
-          <a:fillRef idx="0">
-            <a:schemeClr val="accent1"/>
-          </a:fillRef>
-          <a:effectRef idx="0">
-            <a:schemeClr val="accent1"/>
-          </a:effectRef>
-          <a:fontRef idx="minor">
-            <a:schemeClr val="tx1"/>
-          </a:fontRef>
-        </p:style>
-      </p:cxnSp>
       <p:sp>
         <p:nvSpPr>
           <p:cNvPr id="71" name="Rectángulo: esquinas redondeadas 7">
@@ -8591,7 +9038,7 @@
         </p:nvSpPr>
         <p:spPr>
           <a:xfrm>
-            <a:off x="3295519" y="3451631"/>
+            <a:off x="3226456" y="3100698"/>
             <a:ext cx="1032965" cy="360000"/>
           </a:xfrm>
           <a:prstGeom prst="roundRect">
@@ -8630,7 +9077,7 @@
           <a:p>
             <a:pPr algn="ctr"/>
             <a:r>
-              <a:rPr lang="es-ES" sz="800" u="sng" dirty="0">
+              <a:rPr lang="es-ES" sz="800" dirty="0">
                 <a:solidFill>
                   <a:schemeClr val="tx1"/>
                 </a:solidFill>
@@ -8642,7 +9089,7 @@
           <a:p>
             <a:pPr algn="ctr"/>
             <a:r>
-              <a:rPr lang="es-ES" sz="800" u="sng" dirty="0">
+              <a:rPr lang="es-ES" sz="800" dirty="0">
                 <a:solidFill>
                   <a:schemeClr val="tx1"/>
                 </a:solidFill>
@@ -8669,7 +9116,7 @@
         </p:nvSpPr>
         <p:spPr>
           <a:xfrm>
-            <a:off x="3301091" y="4644883"/>
+            <a:off x="3232028" y="4073812"/>
             <a:ext cx="1021820" cy="459964"/>
           </a:xfrm>
           <a:prstGeom prst="roundRect">
@@ -8731,8 +9178,8 @@
         </p:nvGrpSpPr>
         <p:grpSpPr>
           <a:xfrm>
-            <a:off x="1609050" y="4380668"/>
-            <a:ext cx="4448175" cy="3835907"/>
+            <a:off x="1068595" y="3880147"/>
+            <a:ext cx="5390515" cy="3752701"/>
             <a:chOff x="1616205" y="4172964"/>
             <a:chExt cx="4448175" cy="3935866"/>
           </a:xfrm>
@@ -8760,7 +9207,7 @@
             <a:noFill/>
             <a:ln>
               <a:solidFill>
-                <a:schemeClr val="accent1"/>
+                <a:schemeClr val="accent2"/>
               </a:solidFill>
             </a:ln>
           </p:spPr>
@@ -8812,7 +9259,7 @@
             <a:noFill/>
             <a:ln>
               <a:solidFill>
-                <a:schemeClr val="accent1"/>
+                <a:schemeClr val="accent2"/>
               </a:solidFill>
             </a:ln>
           </p:spPr>
@@ -8872,7 +9319,7 @@
         </p:nvSpPr>
         <p:spPr>
           <a:xfrm>
-            <a:off x="3246524" y="5377730"/>
+            <a:off x="3177461" y="4773169"/>
             <a:ext cx="1130955" cy="470606"/>
           </a:xfrm>
           <a:prstGeom prst="roundRect">
@@ -8931,15 +9378,14 @@
           </p:cNvPr>
           <p:cNvCxnSpPr>
             <a:cxnSpLocks/>
-            <a:stCxn id="368" idx="2"/>
             <a:endCxn id="63" idx="0"/>
           </p:cNvCxnSpPr>
           <p:nvPr/>
         </p:nvCxnSpPr>
         <p:spPr>
-          <a:xfrm>
-            <a:off x="3812001" y="5104847"/>
-            <a:ext cx="1" cy="272883"/>
+          <a:xfrm flipH="1">
+            <a:off x="3742939" y="4533776"/>
+            <a:ext cx="7816" cy="239393"/>
           </a:xfrm>
           <a:prstGeom prst="straightConnector1">
             <a:avLst/>
@@ -8977,8 +9423,8 @@
         </p:nvGrpSpPr>
         <p:grpSpPr>
           <a:xfrm>
-            <a:off x="1606778" y="2114951"/>
-            <a:ext cx="4448175" cy="2088548"/>
+            <a:off x="1068595" y="1969083"/>
+            <a:ext cx="5390515" cy="1827935"/>
             <a:chOff x="1616203" y="3130778"/>
             <a:chExt cx="4448175" cy="947048"/>
           </a:xfrm>
@@ -9006,7 +9452,7 @@
             <a:noFill/>
             <a:ln>
               <a:solidFill>
-                <a:schemeClr val="accent1"/>
+                <a:schemeClr val="accent2"/>
               </a:solidFill>
             </a:ln>
           </p:spPr>
@@ -9058,7 +9504,7 @@
             <a:noFill/>
             <a:ln>
               <a:solidFill>
-                <a:schemeClr val="accent1"/>
+                <a:schemeClr val="accent2"/>
               </a:solidFill>
             </a:ln>
           </p:spPr>
@@ -9116,8 +9562,8 @@
         </p:nvGrpSpPr>
         <p:grpSpPr>
           <a:xfrm>
-            <a:off x="1606778" y="1420431"/>
-            <a:ext cx="4448175" cy="589055"/>
+            <a:off x="1068595" y="1173067"/>
+            <a:ext cx="5390515" cy="723733"/>
             <a:chOff x="1616203" y="3130778"/>
             <a:chExt cx="4448175" cy="947048"/>
           </a:xfrm>
@@ -9145,7 +9591,7 @@
             <a:noFill/>
             <a:ln>
               <a:solidFill>
-                <a:schemeClr val="accent1"/>
+                <a:schemeClr val="accent2"/>
               </a:solidFill>
             </a:ln>
           </p:spPr>
@@ -9197,7 +9643,7 @@
             <a:noFill/>
             <a:ln>
               <a:solidFill>
-                <a:schemeClr val="accent1"/>
+                <a:schemeClr val="accent2"/>
               </a:solidFill>
             </a:ln>
           </p:spPr>
@@ -9257,7 +9703,7 @@
         </p:nvSpPr>
         <p:spPr>
           <a:xfrm>
-            <a:off x="3295519" y="1525896"/>
+            <a:off x="3226456" y="1380028"/>
             <a:ext cx="1032965" cy="360000"/>
           </a:xfrm>
           <a:prstGeom prst="roundRect">
@@ -9302,7 +9748,7 @@
                 </a:solidFill>
                 <a:latin typeface="Xunta Sans" panose="00000500000000000000" pitchFamily="50" charset="0"/>
               </a:rPr>
-              <a:t>Acceso/Login Wanda</a:t>
+              <a:t>Acceder a Wanda</a:t>
             </a:r>
           </a:p>
         </p:txBody>
@@ -9323,7 +9769,7 @@
         </p:nvCxnSpPr>
         <p:spPr>
           <a:xfrm flipH="1">
-            <a:off x="3770756" y="1273675"/>
+            <a:off x="3742735" y="1127807"/>
             <a:ext cx="407" cy="252221"/>
           </a:xfrm>
           <a:prstGeom prst="straightConnector1">
@@ -9364,7 +9810,7 @@
         </p:nvCxnSpPr>
         <p:spPr>
           <a:xfrm>
-            <a:off x="3812001" y="1885897"/>
+            <a:off x="3742938" y="1740029"/>
             <a:ext cx="0" cy="379769"/>
           </a:xfrm>
           <a:prstGeom prst="straightConnector1">
@@ -9404,13 +9850,13 @@
           <p:nvPr/>
         </p:nvCxnSpPr>
         <p:spPr>
-          <a:xfrm rot="5400000">
-            <a:off x="3513546" y="3152876"/>
-            <a:ext cx="596911" cy="12700"/>
+          <a:xfrm rot="16200000" flipH="1">
+            <a:off x="3560448" y="2903743"/>
+            <a:ext cx="378011" cy="328"/>
           </a:xfrm>
           <a:prstGeom prst="bentConnector3">
             <a:avLst>
-              <a:gd name="adj1" fmla="val 213"/>
+              <a:gd name="adj1" fmla="val 50000"/>
             </a:avLst>
           </a:prstGeom>
           <a:ln>
@@ -9446,7 +9892,7 @@
         </p:nvSpPr>
         <p:spPr>
           <a:xfrm>
-            <a:off x="3857603" y="2859553"/>
+            <a:off x="3788540" y="2713685"/>
             <a:ext cx="76944" cy="133563"/>
           </a:xfrm>
           <a:prstGeom prst="rect">
@@ -9493,11 +9939,13 @@
         </p:nvCxnSpPr>
         <p:spPr>
           <a:xfrm rot="5400000">
-            <a:off x="3395046" y="4238300"/>
-            <a:ext cx="833252" cy="1"/>
+            <a:off x="3437760" y="3768633"/>
+            <a:ext cx="610358" cy="3"/>
           </a:xfrm>
           <a:prstGeom prst="bentConnector3">
-            <a:avLst/>
+            <a:avLst>
+              <a:gd name="adj1" fmla="val 50000"/>
+            </a:avLst>
           </a:prstGeom>
           <a:ln>
             <a:tailEnd type="triangle"/>
@@ -9532,8 +9980,8 @@
         </p:nvGrpSpPr>
         <p:grpSpPr>
           <a:xfrm>
-            <a:off x="1606778" y="8389920"/>
-            <a:ext cx="4448174" cy="982958"/>
+            <a:off x="1068595" y="7739772"/>
+            <a:ext cx="5397877" cy="1273699"/>
             <a:chOff x="1616205" y="4172960"/>
             <a:chExt cx="4448175" cy="3935870"/>
           </a:xfrm>
@@ -9561,7 +10009,7 @@
             <a:noFill/>
             <a:ln>
               <a:solidFill>
-                <a:schemeClr val="accent1"/>
+                <a:schemeClr val="accent2"/>
               </a:solidFill>
             </a:ln>
           </p:spPr>
@@ -9613,7 +10061,7 @@
             <a:noFill/>
             <a:ln>
               <a:solidFill>
-                <a:schemeClr val="accent1"/>
+                <a:schemeClr val="accent2"/>
               </a:solidFill>
             </a:ln>
           </p:spPr>
@@ -9667,7 +10115,7 @@
         </p:nvSpPr>
         <p:spPr>
           <a:xfrm>
-            <a:off x="3295519" y="8662804"/>
+            <a:off x="3226456" y="7821474"/>
             <a:ext cx="1032965" cy="360000"/>
           </a:xfrm>
           <a:prstGeom prst="roundRect">
@@ -9728,18 +10176,19 @@
           </p:cNvPr>
           <p:cNvCxnSpPr>
             <a:cxnSpLocks/>
+            <a:stCxn id="48" idx="3"/>
           </p:cNvCxnSpPr>
           <p:nvPr/>
         </p:nvCxnSpPr>
         <p:spPr>
           <a:xfrm flipH="1">
-            <a:off x="3928198" y="2560193"/>
-            <a:ext cx="454630" cy="6102611"/>
+            <a:off x="4250783" y="2424369"/>
+            <a:ext cx="139310" cy="5555800"/>
           </a:xfrm>
           <a:prstGeom prst="bentConnector4">
             <a:avLst>
-              <a:gd name="adj1" fmla="val -172638"/>
-              <a:gd name="adj2" fmla="val 97114"/>
+              <a:gd name="adj1" fmla="val -1360296"/>
+              <a:gd name="adj2" fmla="val 100026"/>
             </a:avLst>
           </a:prstGeom>
           <a:ln>
@@ -9775,7 +10224,7 @@
         </p:nvSpPr>
         <p:spPr>
           <a:xfrm>
-            <a:off x="4494337" y="2392086"/>
+            <a:off x="4425274" y="2246218"/>
             <a:ext cx="131446" cy="133563"/>
           </a:xfrm>
           <a:prstGeom prst="rect">
@@ -9820,7 +10269,7 @@
         </p:nvSpPr>
         <p:spPr>
           <a:xfrm>
-            <a:off x="678978" y="447751"/>
+            <a:off x="650387" y="233537"/>
             <a:ext cx="1295400" cy="550182"/>
           </a:xfrm>
           <a:prstGeom prst="rect">
@@ -9883,7 +10332,7 @@
         </p:nvSpPr>
         <p:spPr>
           <a:xfrm>
-            <a:off x="3269915" y="6054239"/>
+            <a:off x="3200852" y="5483168"/>
             <a:ext cx="1084172" cy="357038"/>
           </a:xfrm>
           <a:prstGeom prst="roundRect">
@@ -9947,7 +10396,7 @@
         </p:nvSpPr>
         <p:spPr>
           <a:xfrm>
-            <a:off x="3246524" y="6650670"/>
+            <a:off x="3177461" y="6079599"/>
             <a:ext cx="1130955" cy="459964"/>
           </a:xfrm>
           <a:prstGeom prst="roundRect">
@@ -10017,7 +10466,7 @@
         </p:nvSpPr>
         <p:spPr>
           <a:xfrm>
-            <a:off x="3246524" y="7350028"/>
+            <a:off x="3177461" y="6778957"/>
             <a:ext cx="1130955" cy="459964"/>
           </a:xfrm>
           <a:prstGeom prst="roundRect">
@@ -10082,13 +10531,12 @@
           </p:cNvPr>
           <p:cNvCxnSpPr>
             <a:cxnSpLocks/>
-            <a:endCxn id="49" idx="0"/>
           </p:cNvCxnSpPr>
           <p:nvPr/>
         </p:nvCxnSpPr>
         <p:spPr>
           <a:xfrm flipH="1">
-            <a:off x="3812001" y="5811959"/>
+            <a:off x="3742938" y="5240888"/>
             <a:ext cx="1" cy="242280"/>
           </a:xfrm>
           <a:prstGeom prst="straightConnector1">
@@ -10124,15 +10572,13 @@
           </p:cNvPr>
           <p:cNvCxnSpPr>
             <a:cxnSpLocks/>
-            <a:stCxn id="49" idx="2"/>
-            <a:endCxn id="50" idx="0"/>
           </p:cNvCxnSpPr>
           <p:nvPr/>
         </p:nvCxnSpPr>
         <p:spPr>
-          <a:xfrm>
-            <a:off x="3812001" y="6411277"/>
-            <a:ext cx="1" cy="239393"/>
+          <a:xfrm flipH="1">
+            <a:off x="3742938" y="5840206"/>
+            <a:ext cx="7817" cy="239393"/>
           </a:xfrm>
           <a:prstGeom prst="straightConnector1">
             <a:avLst/>
@@ -10167,15 +10613,13 @@
           </p:cNvPr>
           <p:cNvCxnSpPr>
             <a:cxnSpLocks/>
-            <a:stCxn id="50" idx="2"/>
-            <a:endCxn id="51" idx="0"/>
           </p:cNvCxnSpPr>
           <p:nvPr/>
         </p:nvCxnSpPr>
         <p:spPr>
-          <a:xfrm>
-            <a:off x="3812002" y="7110634"/>
-            <a:ext cx="0" cy="239394"/>
+          <a:xfrm flipH="1">
+            <a:off x="3742938" y="6539563"/>
+            <a:ext cx="7818" cy="239394"/>
           </a:xfrm>
           <a:prstGeom prst="straightConnector1">
             <a:avLst/>
@@ -10210,19 +10654,20 @@
           </p:cNvPr>
           <p:cNvCxnSpPr>
             <a:cxnSpLocks/>
-            <a:endCxn id="94" idx="1"/>
+            <a:stCxn id="51" idx="2"/>
+            <a:endCxn id="48" idx="1"/>
           </p:cNvCxnSpPr>
           <p:nvPr/>
         </p:nvCxnSpPr>
         <p:spPr>
-          <a:xfrm rot="16200000" flipV="1">
-            <a:off x="845761" y="4879280"/>
-            <a:ext cx="5249799" cy="611626"/>
+          <a:xfrm rot="5400000" flipH="1">
+            <a:off x="1012086" y="4508068"/>
+            <a:ext cx="4814552" cy="647155"/>
           </a:xfrm>
           <a:prstGeom prst="bentConnector4">
             <a:avLst>
-              <a:gd name="adj1" fmla="val -5956"/>
-              <a:gd name="adj2" fmla="val 137376"/>
+              <a:gd name="adj1" fmla="val -4748"/>
+              <a:gd name="adj2" fmla="val 135324"/>
             </a:avLst>
           </a:prstGeom>
           <a:ln>
@@ -10246,74 +10691,10 @@
       </p:cxnSp>
       <p:sp>
         <p:nvSpPr>
-          <p:cNvPr id="94" name="Diagrama de flujo: decisión 34">
+          <p:cNvPr id="41" name="Rectángulo: esquinas redondeadas 7">
             <a:extLst>
               <a:ext uri="{FF2B5EF4-FFF2-40B4-BE49-F238E27FC236}">
-                <a16:creationId xmlns:a16="http://schemas.microsoft.com/office/drawing/2014/main" id="{8F7D9C5C-08FC-4610-B42E-28B73D9E2DDD}"/>
-              </a:ext>
-            </a:extLst>
-          </p:cNvPr>
-          <p:cNvSpPr/>
-          <p:nvPr/>
-        </p:nvSpPr>
-        <p:spPr>
-          <a:xfrm>
-            <a:off x="3164847" y="2265665"/>
-            <a:ext cx="1294309" cy="589055"/>
-          </a:xfrm>
-          <a:prstGeom prst="flowChartDecision">
-            <a:avLst/>
-          </a:prstGeom>
-          <a:solidFill>
-            <a:srgbClr val="FFF2CC"/>
-          </a:solidFill>
-          <a:ln w="19050">
-            <a:solidFill>
-              <a:schemeClr val="accent4">
-                <a:lumMod val="75000"/>
-              </a:schemeClr>
-            </a:solidFill>
-          </a:ln>
-        </p:spPr>
-        <p:style>
-          <a:lnRef idx="2">
-            <a:schemeClr val="accent1">
-              <a:shade val="50000"/>
-            </a:schemeClr>
-          </a:lnRef>
-          <a:fillRef idx="1">
-            <a:schemeClr val="accent1"/>
-          </a:fillRef>
-          <a:effectRef idx="0">
-            <a:schemeClr val="accent1"/>
-          </a:effectRef>
-          <a:fontRef idx="minor">
-            <a:schemeClr val="lt1"/>
-          </a:fontRef>
-        </p:style>
-        <p:txBody>
-          <a:bodyPr wrap="square" lIns="0" tIns="0" rIns="0" bIns="0" rtlCol="0" anchor="ctr"/>
-          <a:lstStyle/>
-          <a:p>
-            <a:pPr algn="ctr"/>
-            <a:r>
-              <a:rPr lang="es-ES" sz="800" dirty="0">
-                <a:solidFill>
-                  <a:schemeClr val="tx1"/>
-                </a:solidFill>
-                <a:latin typeface="Xunta Sans" panose="00000500000000000000" pitchFamily="50" charset="0"/>
-              </a:rPr>
-              <a:t>¿Quedan transacciones?</a:t>
-            </a:r>
-          </a:p>
-        </p:txBody>
-      </p:sp>
-      <p:sp>
-        <p:nvSpPr>
-          <p:cNvPr id="42" name="Rectángulo: esquinas redondeadas 7">
-            <a:extLst>
-              <a:ext uri="{FF2B5EF4-FFF2-40B4-BE49-F238E27FC236}">
-                <a16:creationId xmlns:a16="http://schemas.microsoft.com/office/drawing/2014/main" id="{6BF70E08-F116-451D-B52A-FBEEEDD2D9EB}"/>
+                <a16:creationId xmlns:a16="http://schemas.microsoft.com/office/drawing/2014/main" id="{DAA210D6-6295-48E9-9CE0-A9EF6C85305A}"/>
               </a:ext>
             </a:extLst>
           </p:cNvPr>
@@ -10324,8 +10705,8 @@
         </p:nvSpPr>
         <p:spPr>
           <a:xfrm>
-            <a:off x="1702492" y="5919300"/>
-            <a:ext cx="1146016" cy="655381"/>
+            <a:off x="4871806" y="1337803"/>
+            <a:ext cx="1146016" cy="466216"/>
           </a:xfrm>
           <a:prstGeom prst="roundRect">
             <a:avLst>
@@ -10360,17 +10741,61 @@
                 </a:solidFill>
                 <a:latin typeface="Xunta Sans" panose="00000500000000000000" pitchFamily="50" charset="0"/>
               </a:rPr>
-              <a:t>Se refiere a filtrar los archivos PDF ya que en la carpeta expediente puede haber ficheros PDF que no interesen</a:t>
+              <a:t>Se obtienen las credenciales del orquestador</a:t>
             </a:r>
           </a:p>
         </p:txBody>
       </p:sp>
       <p:sp>
         <p:nvSpPr>
-          <p:cNvPr id="43" name="Abrir llave 42">
+          <p:cNvPr id="45" name="Abrir llave 44">
             <a:extLst>
               <a:ext uri="{FF2B5EF4-FFF2-40B4-BE49-F238E27FC236}">
-                <a16:creationId xmlns:a16="http://schemas.microsoft.com/office/drawing/2014/main" id="{DC03AA3B-689A-4EF5-99B9-6D8E0062F2EF}"/>
+                <a16:creationId xmlns:a16="http://schemas.microsoft.com/office/drawing/2014/main" id="{31D0CA9D-67F2-4BBC-98BD-EB56CADFB13E}"/>
+              </a:ext>
+            </a:extLst>
+          </p:cNvPr>
+          <p:cNvSpPr/>
+          <p:nvPr/>
+        </p:nvSpPr>
+        <p:spPr>
+          <a:xfrm rot="10800000">
+            <a:off x="4364387" y="3063537"/>
+            <a:ext cx="274892" cy="466216"/>
+          </a:xfrm>
+          <a:prstGeom prst="leftBrace">
+            <a:avLst/>
+          </a:prstGeom>
+        </p:spPr>
+        <p:style>
+          <a:lnRef idx="1">
+            <a:schemeClr val="accent1"/>
+          </a:lnRef>
+          <a:fillRef idx="0">
+            <a:schemeClr val="accent1"/>
+          </a:fillRef>
+          <a:effectRef idx="0">
+            <a:schemeClr val="accent1"/>
+          </a:effectRef>
+          <a:fontRef idx="minor">
+            <a:schemeClr val="tx1"/>
+          </a:fontRef>
+        </p:style>
+        <p:txBody>
+          <a:bodyPr rtlCol="0" anchor="ctr"/>
+          <a:lstStyle/>
+          <a:p>
+            <a:pPr algn="ctr"/>
+            <a:endParaRPr lang="es-ES" dirty="0"/>
+          </a:p>
+        </p:txBody>
+      </p:sp>
+      <p:sp>
+        <p:nvSpPr>
+          <p:cNvPr id="48" name="Diagrama de flujo: decisión 34">
+            <a:extLst>
+              <a:ext uri="{FF2B5EF4-FFF2-40B4-BE49-F238E27FC236}">
+                <a16:creationId xmlns:a16="http://schemas.microsoft.com/office/drawing/2014/main" id="{937E6283-AB06-4539-B8DC-F34708B0C2AE}"/>
               </a:ext>
             </a:extLst>
           </p:cNvPr>
@@ -10379,14 +10804,751 @@
         </p:nvSpPr>
         <p:spPr>
           <a:xfrm>
-            <a:off x="2995023" y="6013883"/>
+            <a:off x="3095784" y="2129841"/>
+            <a:ext cx="1294309" cy="589055"/>
+          </a:xfrm>
+          <a:prstGeom prst="flowChartDecision">
+            <a:avLst/>
+          </a:prstGeom>
+          <a:solidFill>
+            <a:srgbClr val="FFF2CC"/>
+          </a:solidFill>
+          <a:ln w="19050">
+            <a:solidFill>
+              <a:schemeClr val="accent4">
+                <a:lumMod val="75000"/>
+              </a:schemeClr>
+            </a:solidFill>
+          </a:ln>
+        </p:spPr>
+        <p:style>
+          <a:lnRef idx="2">
+            <a:schemeClr val="accent1">
+              <a:shade val="50000"/>
+            </a:schemeClr>
+          </a:lnRef>
+          <a:fillRef idx="1">
+            <a:schemeClr val="accent1"/>
+          </a:fillRef>
+          <a:effectRef idx="0">
+            <a:schemeClr val="accent1"/>
+          </a:effectRef>
+          <a:fontRef idx="minor">
+            <a:schemeClr val="lt1"/>
+          </a:fontRef>
+        </p:style>
+        <p:txBody>
+          <a:bodyPr wrap="square" lIns="0" tIns="0" rIns="0" bIns="0" rtlCol="0" anchor="ctr"/>
+          <a:lstStyle/>
+          <a:p>
+            <a:pPr algn="ctr"/>
+            <a:r>
+              <a:rPr lang="es-ES" sz="800" dirty="0">
+                <a:solidFill>
+                  <a:schemeClr val="tx1"/>
+                </a:solidFill>
+                <a:latin typeface="Xunta Sans" panose="00000500000000000000" pitchFamily="50" charset="0"/>
+              </a:rPr>
+              <a:t>¿Quedan transacciones?</a:t>
+            </a:r>
+          </a:p>
+        </p:txBody>
+      </p:sp>
+      <p:sp>
+        <p:nvSpPr>
+          <p:cNvPr id="54" name="Rectángulo: esquinas redondeadas 7">
+            <a:extLst>
+              <a:ext uri="{FF2B5EF4-FFF2-40B4-BE49-F238E27FC236}">
+                <a16:creationId xmlns:a16="http://schemas.microsoft.com/office/drawing/2014/main" id="{18F6EA35-0A28-4D6F-8C10-3F25BF25BE45}"/>
+              </a:ext>
+            </a:extLst>
+          </p:cNvPr>
+          <p:cNvSpPr>
+            <a:spLocks/>
+          </p:cNvSpPr>
+          <p:nvPr/>
+        </p:nvSpPr>
+        <p:spPr>
+          <a:xfrm>
+            <a:off x="4845351" y="4032840"/>
+            <a:ext cx="1198927" cy="552350"/>
+          </a:xfrm>
+          <a:prstGeom prst="roundRect">
+            <a:avLst>
+              <a:gd name="adj" fmla="val 7947"/>
+            </a:avLst>
+          </a:prstGeom>
+          <a:ln/>
+        </p:spPr>
+        <p:style>
+          <a:lnRef idx="2">
+            <a:schemeClr val="dk1"/>
+          </a:lnRef>
+          <a:fillRef idx="1">
+            <a:schemeClr val="lt1"/>
+          </a:fillRef>
+          <a:effectRef idx="0">
+            <a:schemeClr val="dk1"/>
+          </a:effectRef>
+          <a:fontRef idx="minor">
+            <a:schemeClr val="dk1"/>
+          </a:fontRef>
+        </p:style>
+        <p:txBody>
+          <a:bodyPr wrap="square" lIns="0" tIns="0" rIns="0" bIns="0" rtlCol="0" anchor="ctr"/>
+          <a:lstStyle/>
+          <a:p>
+            <a:pPr algn="ctr"/>
+            <a:r>
+              <a:rPr lang="es-ES" sz="800" dirty="0">
+                <a:solidFill>
+                  <a:schemeClr val="tx1"/>
+                </a:solidFill>
+                <a:latin typeface="Xunta Sans" panose="00000500000000000000" pitchFamily="50" charset="0"/>
+              </a:rPr>
+              <a:t>Se accede buscando el número de expediente contenido en cada transacción</a:t>
+            </a:r>
+          </a:p>
+        </p:txBody>
+      </p:sp>
+      <p:sp>
+        <p:nvSpPr>
+          <p:cNvPr id="56" name="Abrir llave 55">
+            <a:extLst>
+              <a:ext uri="{FF2B5EF4-FFF2-40B4-BE49-F238E27FC236}">
+                <a16:creationId xmlns:a16="http://schemas.microsoft.com/office/drawing/2014/main" id="{0071541A-E6B8-40BB-B04C-B49F1EF19DA8}"/>
+              </a:ext>
+            </a:extLst>
+          </p:cNvPr>
+          <p:cNvSpPr/>
+          <p:nvPr/>
+        </p:nvSpPr>
+        <p:spPr>
+          <a:xfrm rot="10800000">
+            <a:off x="4364388" y="4088316"/>
             <a:ext cx="274892" cy="466216"/>
           </a:xfrm>
           <a:prstGeom prst="leftBrace">
+            <a:avLst/>
+          </a:prstGeom>
+        </p:spPr>
+        <p:style>
+          <a:lnRef idx="1">
+            <a:schemeClr val="accent1"/>
+          </a:lnRef>
+          <a:fillRef idx="0">
+            <a:schemeClr val="accent1"/>
+          </a:fillRef>
+          <a:effectRef idx="0">
+            <a:schemeClr val="accent1"/>
+          </a:effectRef>
+          <a:fontRef idx="minor">
+            <a:schemeClr val="tx1"/>
+          </a:fontRef>
+        </p:style>
+        <p:txBody>
+          <a:bodyPr rtlCol="0" anchor="ctr"/>
+          <a:lstStyle/>
+          <a:p>
+            <a:pPr algn="ctr"/>
+            <a:endParaRPr lang="es-ES" dirty="0"/>
+          </a:p>
+        </p:txBody>
+      </p:sp>
+      <p:sp>
+        <p:nvSpPr>
+          <p:cNvPr id="57" name="Rectángulo: esquinas redondeadas 7">
+            <a:extLst>
+              <a:ext uri="{FF2B5EF4-FFF2-40B4-BE49-F238E27FC236}">
+                <a16:creationId xmlns:a16="http://schemas.microsoft.com/office/drawing/2014/main" id="{32E1F2FF-AA0A-43F6-AE15-C3C65BBBA7FE}"/>
+              </a:ext>
+            </a:extLst>
+          </p:cNvPr>
+          <p:cNvSpPr>
+            <a:spLocks/>
+          </p:cNvSpPr>
+          <p:nvPr/>
+        </p:nvSpPr>
+        <p:spPr>
+          <a:xfrm>
+            <a:off x="4871806" y="4814793"/>
+            <a:ext cx="1146016" cy="466216"/>
+          </a:xfrm>
+          <a:prstGeom prst="roundRect">
             <a:avLst>
-              <a:gd name="adj1" fmla="val 8333"/>
-              <a:gd name="adj2" fmla="val 54044"/>
+              <a:gd name="adj" fmla="val 7947"/>
             </a:avLst>
+          </a:prstGeom>
+          <a:ln/>
+        </p:spPr>
+        <p:style>
+          <a:lnRef idx="2">
+            <a:schemeClr val="dk1"/>
+          </a:lnRef>
+          <a:fillRef idx="1">
+            <a:schemeClr val="lt1"/>
+          </a:fillRef>
+          <a:effectRef idx="0">
+            <a:schemeClr val="dk1"/>
+          </a:effectRef>
+          <a:fontRef idx="minor">
+            <a:schemeClr val="dk1"/>
+          </a:fontRef>
+        </p:style>
+        <p:txBody>
+          <a:bodyPr wrap="square" lIns="0" tIns="0" rIns="0" bIns="0" rtlCol="0" anchor="ctr"/>
+          <a:lstStyle/>
+          <a:p>
+            <a:pPr algn="ctr"/>
+            <a:r>
+              <a:rPr lang="es-ES" sz="800" dirty="0">
+                <a:solidFill>
+                  <a:schemeClr val="tx1"/>
+                </a:solidFill>
+                <a:latin typeface="Xunta Sans" panose="00000500000000000000" pitchFamily="50" charset="0"/>
+              </a:rPr>
+              <a:t>El paquete/carpeta tiene como nombre el número de expediente</a:t>
+            </a:r>
+          </a:p>
+        </p:txBody>
+      </p:sp>
+      <p:sp>
+        <p:nvSpPr>
+          <p:cNvPr id="59" name="Abrir llave 58">
+            <a:extLst>
+              <a:ext uri="{FF2B5EF4-FFF2-40B4-BE49-F238E27FC236}">
+                <a16:creationId xmlns:a16="http://schemas.microsoft.com/office/drawing/2014/main" id="{D76A1123-3B32-4287-A901-4956FD1C01E2}"/>
+              </a:ext>
+            </a:extLst>
+          </p:cNvPr>
+          <p:cNvSpPr/>
+          <p:nvPr/>
+        </p:nvSpPr>
+        <p:spPr>
+          <a:xfrm rot="10800000">
+            <a:off x="4364388" y="4821163"/>
+            <a:ext cx="274892" cy="466216"/>
+          </a:xfrm>
+          <a:prstGeom prst="leftBrace">
+            <a:avLst/>
+          </a:prstGeom>
+        </p:spPr>
+        <p:style>
+          <a:lnRef idx="1">
+            <a:schemeClr val="accent1"/>
+          </a:lnRef>
+          <a:fillRef idx="0">
+            <a:schemeClr val="accent1"/>
+          </a:fillRef>
+          <a:effectRef idx="0">
+            <a:schemeClr val="accent1"/>
+          </a:effectRef>
+          <a:fontRef idx="minor">
+            <a:schemeClr val="tx1"/>
+          </a:fontRef>
+        </p:style>
+        <p:txBody>
+          <a:bodyPr rtlCol="0" anchor="ctr"/>
+          <a:lstStyle/>
+          <a:p>
+            <a:pPr algn="ctr"/>
+            <a:endParaRPr lang="es-ES" dirty="0"/>
+          </a:p>
+        </p:txBody>
+      </p:sp>
+      <p:sp>
+        <p:nvSpPr>
+          <p:cNvPr id="60" name="Rectángulo: esquinas redondeadas 7">
+            <a:extLst>
+              <a:ext uri="{FF2B5EF4-FFF2-40B4-BE49-F238E27FC236}">
+                <a16:creationId xmlns:a16="http://schemas.microsoft.com/office/drawing/2014/main" id="{971A3C30-2D57-41DA-B19F-3BA6A29164E8}"/>
+              </a:ext>
+            </a:extLst>
+          </p:cNvPr>
+          <p:cNvSpPr>
+            <a:spLocks/>
+          </p:cNvSpPr>
+          <p:nvPr/>
+        </p:nvSpPr>
+        <p:spPr>
+          <a:xfrm>
+            <a:off x="4816008" y="5410804"/>
+            <a:ext cx="1257613" cy="528480"/>
+          </a:xfrm>
+          <a:prstGeom prst="roundRect">
+            <a:avLst>
+              <a:gd name="adj" fmla="val 7947"/>
+            </a:avLst>
+          </a:prstGeom>
+          <a:ln/>
+        </p:spPr>
+        <p:style>
+          <a:lnRef idx="2">
+            <a:schemeClr val="dk1"/>
+          </a:lnRef>
+          <a:fillRef idx="1">
+            <a:schemeClr val="lt1"/>
+          </a:fillRef>
+          <a:effectRef idx="0">
+            <a:schemeClr val="dk1"/>
+          </a:effectRef>
+          <a:fontRef idx="minor">
+            <a:schemeClr val="dk1"/>
+          </a:fontRef>
+        </p:style>
+        <p:txBody>
+          <a:bodyPr wrap="square" lIns="0" tIns="0" rIns="0" bIns="0" rtlCol="0" anchor="ctr"/>
+          <a:lstStyle/>
+          <a:p>
+            <a:pPr algn="ctr"/>
+            <a:r>
+              <a:rPr lang="es-ES" sz="800" dirty="0">
+                <a:solidFill>
+                  <a:schemeClr val="tx1"/>
+                </a:solidFill>
+                <a:latin typeface="Xunta Sans" panose="00000500000000000000" pitchFamily="50" charset="0"/>
+              </a:rPr>
+              <a:t>Se comprueba que la carpeta contenga el modelo de interés y se obtiene de este los datos</a:t>
+            </a:r>
+          </a:p>
+        </p:txBody>
+      </p:sp>
+      <p:sp>
+        <p:nvSpPr>
+          <p:cNvPr id="61" name="Abrir llave 60">
+            <a:extLst>
+              <a:ext uri="{FF2B5EF4-FFF2-40B4-BE49-F238E27FC236}">
+                <a16:creationId xmlns:a16="http://schemas.microsoft.com/office/drawing/2014/main" id="{8D801E5E-8FCB-4F75-80D0-54D4687E1B64}"/>
+              </a:ext>
+            </a:extLst>
+          </p:cNvPr>
+          <p:cNvSpPr/>
+          <p:nvPr/>
+        </p:nvSpPr>
+        <p:spPr>
+          <a:xfrm rot="10800000">
+            <a:off x="4364388" y="5428579"/>
+            <a:ext cx="274892" cy="466216"/>
+          </a:xfrm>
+          <a:prstGeom prst="leftBrace">
+            <a:avLst/>
+          </a:prstGeom>
+        </p:spPr>
+        <p:style>
+          <a:lnRef idx="1">
+            <a:schemeClr val="accent1"/>
+          </a:lnRef>
+          <a:fillRef idx="0">
+            <a:schemeClr val="accent1"/>
+          </a:fillRef>
+          <a:effectRef idx="0">
+            <a:schemeClr val="accent1"/>
+          </a:effectRef>
+          <a:fontRef idx="minor">
+            <a:schemeClr val="tx1"/>
+          </a:fontRef>
+        </p:style>
+        <p:txBody>
+          <a:bodyPr rtlCol="0" anchor="ctr"/>
+          <a:lstStyle/>
+          <a:p>
+            <a:pPr algn="ctr"/>
+            <a:endParaRPr lang="es-ES" dirty="0"/>
+          </a:p>
+        </p:txBody>
+      </p:sp>
+      <p:sp>
+        <p:nvSpPr>
+          <p:cNvPr id="62" name="Rectángulo: esquinas redondeadas 7">
+            <a:extLst>
+              <a:ext uri="{FF2B5EF4-FFF2-40B4-BE49-F238E27FC236}">
+                <a16:creationId xmlns:a16="http://schemas.microsoft.com/office/drawing/2014/main" id="{4F92B956-4008-45AB-9466-914F9F497410}"/>
+              </a:ext>
+            </a:extLst>
+          </p:cNvPr>
+          <p:cNvSpPr>
+            <a:spLocks/>
+          </p:cNvSpPr>
+          <p:nvPr/>
+        </p:nvSpPr>
+        <p:spPr>
+          <a:xfrm>
+            <a:off x="4832823" y="2981080"/>
+            <a:ext cx="1223983" cy="574608"/>
+          </a:xfrm>
+          <a:prstGeom prst="roundRect">
+            <a:avLst>
+              <a:gd name="adj" fmla="val 7947"/>
+            </a:avLst>
+          </a:prstGeom>
+          <a:ln/>
+        </p:spPr>
+        <p:style>
+          <a:lnRef idx="2">
+            <a:schemeClr val="dk1"/>
+          </a:lnRef>
+          <a:fillRef idx="1">
+            <a:schemeClr val="lt1"/>
+          </a:fillRef>
+          <a:effectRef idx="0">
+            <a:schemeClr val="dk1"/>
+          </a:effectRef>
+          <a:fontRef idx="minor">
+            <a:schemeClr val="dk1"/>
+          </a:fontRef>
+        </p:style>
+        <p:txBody>
+          <a:bodyPr wrap="square" lIns="0" tIns="0" rIns="0" bIns="0" rtlCol="0" anchor="ctr"/>
+          <a:lstStyle/>
+          <a:p>
+            <a:pPr algn="ctr"/>
+            <a:r>
+              <a:rPr lang="es-ES" sz="800" dirty="0">
+                <a:solidFill>
+                  <a:schemeClr val="tx1"/>
+                </a:solidFill>
+                <a:latin typeface="Xunta Sans" panose="00000500000000000000" pitchFamily="50" charset="0"/>
+              </a:rPr>
+              <a:t>Se obtiene el número de expediente de cada transacción en la cola del orquestador</a:t>
+            </a:r>
+          </a:p>
+        </p:txBody>
+      </p:sp>
+      <p:sp>
+        <p:nvSpPr>
+          <p:cNvPr id="65" name="Abrir llave 64">
+            <a:extLst>
+              <a:ext uri="{FF2B5EF4-FFF2-40B4-BE49-F238E27FC236}">
+                <a16:creationId xmlns:a16="http://schemas.microsoft.com/office/drawing/2014/main" id="{0EC92992-3266-492F-9701-3818791676AC}"/>
+              </a:ext>
+            </a:extLst>
+          </p:cNvPr>
+          <p:cNvSpPr/>
+          <p:nvPr/>
+        </p:nvSpPr>
+        <p:spPr>
+          <a:xfrm rot="10800000">
+            <a:off x="4347404" y="1329354"/>
+            <a:ext cx="274892" cy="466216"/>
+          </a:xfrm>
+          <a:prstGeom prst="leftBrace">
+            <a:avLst/>
+          </a:prstGeom>
+        </p:spPr>
+        <p:style>
+          <a:lnRef idx="1">
+            <a:schemeClr val="accent1"/>
+          </a:lnRef>
+          <a:fillRef idx="0">
+            <a:schemeClr val="accent1"/>
+          </a:fillRef>
+          <a:effectRef idx="0">
+            <a:schemeClr val="accent1"/>
+          </a:effectRef>
+          <a:fontRef idx="minor">
+            <a:schemeClr val="tx1"/>
+          </a:fontRef>
+        </p:style>
+        <p:txBody>
+          <a:bodyPr rtlCol="0" anchor="ctr"/>
+          <a:lstStyle/>
+          <a:p>
+            <a:pPr algn="ctr"/>
+            <a:endParaRPr lang="es-ES" dirty="0"/>
+          </a:p>
+        </p:txBody>
+      </p:sp>
+      <p:sp>
+        <p:nvSpPr>
+          <p:cNvPr id="74" name="Diagrama de flujo: conector 73">
+            <a:extLst>
+              <a:ext uri="{FF2B5EF4-FFF2-40B4-BE49-F238E27FC236}">
+                <a16:creationId xmlns:a16="http://schemas.microsoft.com/office/drawing/2014/main" id="{84812EAB-C12A-4631-9EDE-AA4EE0FD7B6C}"/>
+              </a:ext>
+            </a:extLst>
+          </p:cNvPr>
+          <p:cNvSpPr/>
+          <p:nvPr/>
+        </p:nvSpPr>
+        <p:spPr>
+          <a:xfrm>
+            <a:off x="3592660" y="9273594"/>
+            <a:ext cx="300556" cy="366397"/>
+          </a:xfrm>
+          <a:prstGeom prst="flowChartConnector">
+            <a:avLst/>
+          </a:prstGeom>
+          <a:solidFill>
+            <a:srgbClr val="F8CECC"/>
+          </a:solidFill>
+          <a:ln w="19050">
+            <a:solidFill>
+              <a:srgbClr val="C00000"/>
+            </a:solidFill>
+          </a:ln>
+        </p:spPr>
+        <p:style>
+          <a:lnRef idx="2">
+            <a:schemeClr val="accent1">
+              <a:shade val="50000"/>
+            </a:schemeClr>
+          </a:lnRef>
+          <a:fillRef idx="1">
+            <a:schemeClr val="accent1"/>
+          </a:fillRef>
+          <a:effectRef idx="0">
+            <a:schemeClr val="accent1"/>
+          </a:effectRef>
+          <a:fontRef idx="minor">
+            <a:schemeClr val="lt1"/>
+          </a:fontRef>
+        </p:style>
+        <p:txBody>
+          <a:bodyPr wrap="none" rtlCol="0" anchor="ctr"/>
+          <a:lstStyle/>
+          <a:p>
+            <a:pPr algn="ctr"/>
+            <a:r>
+              <a:rPr lang="es-ES" sz="800" dirty="0">
+                <a:solidFill>
+                  <a:schemeClr val="tx1"/>
+                </a:solidFill>
+                <a:latin typeface="Xunta Sans" panose="00000500000000000000" pitchFamily="50" charset="0"/>
+              </a:rPr>
+              <a:t>Fin</a:t>
+            </a:r>
+          </a:p>
+        </p:txBody>
+      </p:sp>
+      <p:sp>
+        <p:nvSpPr>
+          <p:cNvPr id="77" name="Rectángulo: esquinas redondeadas 7">
+            <a:extLst>
+              <a:ext uri="{FF2B5EF4-FFF2-40B4-BE49-F238E27FC236}">
+                <a16:creationId xmlns:a16="http://schemas.microsoft.com/office/drawing/2014/main" id="{5156BD81-FCE0-406F-9D53-FFE12A06E050}"/>
+              </a:ext>
+            </a:extLst>
+          </p:cNvPr>
+          <p:cNvSpPr>
+            <a:spLocks/>
+          </p:cNvSpPr>
+          <p:nvPr/>
+        </p:nvSpPr>
+        <p:spPr>
+          <a:xfrm>
+            <a:off x="3333315" y="8418644"/>
+            <a:ext cx="819246" cy="332018"/>
+          </a:xfrm>
+          <a:prstGeom prst="roundRect">
+            <a:avLst/>
+          </a:prstGeom>
+          <a:solidFill>
+            <a:srgbClr val="DAE8FC"/>
+          </a:solidFill>
+          <a:ln w="19050">
+            <a:solidFill>
+              <a:srgbClr val="4472C4"/>
+            </a:solidFill>
+          </a:ln>
+        </p:spPr>
+        <p:style>
+          <a:lnRef idx="2">
+            <a:schemeClr val="accent1">
+              <a:shade val="50000"/>
+            </a:schemeClr>
+          </a:lnRef>
+          <a:fillRef idx="1">
+            <a:schemeClr val="accent1"/>
+          </a:fillRef>
+          <a:effectRef idx="0">
+            <a:schemeClr val="accent1"/>
+          </a:effectRef>
+          <a:fontRef idx="minor">
+            <a:schemeClr val="lt1"/>
+          </a:fontRef>
+        </p:style>
+        <p:txBody>
+          <a:bodyPr wrap="square" lIns="0" tIns="0" rIns="0" bIns="0" rtlCol="0" anchor="ctr"/>
+          <a:lstStyle/>
+          <a:p>
+            <a:pPr algn="ctr"/>
+            <a:r>
+              <a:rPr lang="es-ES_tradnl" sz="800" dirty="0">
+                <a:solidFill>
+                  <a:schemeClr val="tx1"/>
+                </a:solidFill>
+                <a:latin typeface="Xunta Sans" panose="00000500000000000000" pitchFamily="50" charset="0"/>
+              </a:rPr>
+              <a:t>Enviar correo</a:t>
+            </a:r>
+            <a:endParaRPr lang="es-ES" sz="800" dirty="0">
+              <a:solidFill>
+                <a:schemeClr val="tx1"/>
+              </a:solidFill>
+              <a:latin typeface="Xunta Sans" panose="00000500000000000000" pitchFamily="50" charset="0"/>
+            </a:endParaRPr>
+          </a:p>
+        </p:txBody>
+      </p:sp>
+      <p:cxnSp>
+        <p:nvCxnSpPr>
+          <p:cNvPr id="99" name="Conector recto de flecha 126">
+            <a:extLst>
+              <a:ext uri="{FF2B5EF4-FFF2-40B4-BE49-F238E27FC236}">
+                <a16:creationId xmlns:a16="http://schemas.microsoft.com/office/drawing/2014/main" id="{4A6CC10E-1C04-4525-A427-5F34FAB72857}"/>
+              </a:ext>
+            </a:extLst>
+          </p:cNvPr>
+          <p:cNvCxnSpPr>
+            <a:cxnSpLocks/>
+          </p:cNvCxnSpPr>
+          <p:nvPr/>
+        </p:nvCxnSpPr>
+        <p:spPr>
+          <a:xfrm>
+            <a:off x="3742938" y="8181474"/>
+            <a:ext cx="0" cy="239394"/>
+          </a:xfrm>
+          <a:prstGeom prst="straightConnector1">
+            <a:avLst/>
+          </a:prstGeom>
+          <a:ln>
+            <a:tailEnd type="triangle"/>
+          </a:ln>
+        </p:spPr>
+        <p:style>
+          <a:lnRef idx="1">
+            <a:schemeClr val="accent1"/>
+          </a:lnRef>
+          <a:fillRef idx="0">
+            <a:schemeClr val="accent1"/>
+          </a:fillRef>
+          <a:effectRef idx="0">
+            <a:schemeClr val="accent1"/>
+          </a:effectRef>
+          <a:fontRef idx="minor">
+            <a:schemeClr val="tx1"/>
+          </a:fontRef>
+        </p:style>
+      </p:cxnSp>
+      <p:cxnSp>
+        <p:nvCxnSpPr>
+          <p:cNvPr id="107" name="Conector recto de flecha 106">
+            <a:extLst>
+              <a:ext uri="{FF2B5EF4-FFF2-40B4-BE49-F238E27FC236}">
+                <a16:creationId xmlns:a16="http://schemas.microsoft.com/office/drawing/2014/main" id="{BB1C8F90-3A32-4E7E-B005-5CE8434B9D16}"/>
+              </a:ext>
+            </a:extLst>
+          </p:cNvPr>
+          <p:cNvCxnSpPr>
+            <a:cxnSpLocks/>
+            <a:endCxn id="74" idx="0"/>
+          </p:cNvCxnSpPr>
+          <p:nvPr/>
+        </p:nvCxnSpPr>
+        <p:spPr>
+          <a:xfrm>
+            <a:off x="3742938" y="8750662"/>
+            <a:ext cx="0" cy="522932"/>
+          </a:xfrm>
+          <a:prstGeom prst="straightConnector1">
+            <a:avLst/>
+          </a:prstGeom>
+          <a:ln>
+            <a:tailEnd type="triangle"/>
+          </a:ln>
+        </p:spPr>
+        <p:style>
+          <a:lnRef idx="1">
+            <a:schemeClr val="accent1"/>
+          </a:lnRef>
+          <a:fillRef idx="0">
+            <a:schemeClr val="accent1"/>
+          </a:fillRef>
+          <a:effectRef idx="0">
+            <a:schemeClr val="accent1"/>
+          </a:effectRef>
+          <a:fontRef idx="minor">
+            <a:schemeClr val="tx1"/>
+          </a:fontRef>
+        </p:style>
+      </p:cxnSp>
+      <p:sp>
+        <p:nvSpPr>
+          <p:cNvPr id="120" name="Rectángulo: esquinas redondeadas 7">
+            <a:extLst>
+              <a:ext uri="{FF2B5EF4-FFF2-40B4-BE49-F238E27FC236}">
+                <a16:creationId xmlns:a16="http://schemas.microsoft.com/office/drawing/2014/main" id="{14FBFF62-E8C2-4BDE-A2D5-0D42DA98C250}"/>
+              </a:ext>
+            </a:extLst>
+          </p:cNvPr>
+          <p:cNvSpPr>
+            <a:spLocks/>
+          </p:cNvSpPr>
+          <p:nvPr/>
+        </p:nvSpPr>
+        <p:spPr>
+          <a:xfrm>
+            <a:off x="4702066" y="8235571"/>
+            <a:ext cx="1485497" cy="663389"/>
+          </a:xfrm>
+          <a:prstGeom prst="roundRect">
+            <a:avLst>
+              <a:gd name="adj" fmla="val 7947"/>
+            </a:avLst>
+          </a:prstGeom>
+          <a:ln/>
+        </p:spPr>
+        <p:style>
+          <a:lnRef idx="2">
+            <a:schemeClr val="dk1"/>
+          </a:lnRef>
+          <a:fillRef idx="1">
+            <a:schemeClr val="lt1"/>
+          </a:fillRef>
+          <a:effectRef idx="0">
+            <a:schemeClr val="dk1"/>
+          </a:effectRef>
+          <a:fontRef idx="minor">
+            <a:schemeClr val="dk1"/>
+          </a:fontRef>
+        </p:style>
+        <p:txBody>
+          <a:bodyPr wrap="square" lIns="0" tIns="0" rIns="0" bIns="0" rtlCol="0" anchor="ctr"/>
+          <a:lstStyle/>
+          <a:p>
+            <a:pPr algn="ctr"/>
+            <a:r>
+              <a:rPr lang="es-ES" sz="800" dirty="0">
+                <a:solidFill>
+                  <a:schemeClr val="tx1"/>
+                </a:solidFill>
+                <a:latin typeface="Xunta Sans" panose="00000500000000000000" pitchFamily="50" charset="0"/>
+              </a:rPr>
+              <a:t>Si se ha completado el proceso se adjunta un informe de ejecución, sino una captura de la incidencia.</a:t>
+            </a:r>
+          </a:p>
+        </p:txBody>
+      </p:sp>
+      <p:sp>
+        <p:nvSpPr>
+          <p:cNvPr id="121" name="Abrir llave 120">
+            <a:extLst>
+              <a:ext uri="{FF2B5EF4-FFF2-40B4-BE49-F238E27FC236}">
+                <a16:creationId xmlns:a16="http://schemas.microsoft.com/office/drawing/2014/main" id="{3436C305-1CA6-46AC-BD8C-376C879C8E16}"/>
+              </a:ext>
+            </a:extLst>
+          </p:cNvPr>
+          <p:cNvSpPr/>
+          <p:nvPr/>
+        </p:nvSpPr>
+        <p:spPr>
+          <a:xfrm rot="10800000">
+            <a:off x="4364388" y="8334158"/>
+            <a:ext cx="274892" cy="466216"/>
+          </a:xfrm>
+          <a:prstGeom prst="leftBrace">
+            <a:avLst/>
           </a:prstGeom>
         </p:spPr>
         <p:style>
@@ -10982,33 +12144,6 @@
 </file>
 
 <file path=customXml/item1.xml><?xml version="1.0" encoding="utf-8"?>
-<p:properties xmlns:p="http://schemas.microsoft.com/office/2006/metadata/properties" xmlns:xsi="http://www.w3.org/2001/XMLSchema-instance" xmlns:pc="http://schemas.microsoft.com/office/infopath/2007/PartnerControls">
-  <documentManagement>
-    <SharedWithUsers xmlns="e509ec62-186f-434a-a57a-bb6c3bdbbfec">
-      <UserInfo>
-        <DisplayName>Pilar Gallego Casado</DisplayName>
-        <AccountId>203</AccountId>
-        <AccountType/>
-      </UserInfo>
-    </SharedWithUsers>
-    <lcf76f155ced4ddcb4097134ff3c332f xmlns="a0cb2206-4dc9-4c70-91d2-0a62a544b5e9">
-      <Terms xmlns="http://schemas.microsoft.com/office/infopath/2007/PartnerControls"/>
-    </lcf76f155ced4ddcb4097134ff3c332f>
-    <TaxCatchAll xmlns="e509ec62-186f-434a-a57a-bb6c3bdbbfec" xsi:nil="true"/>
-  </documentManagement>
-</p:properties>
-</file>
-
-<file path=customXml/item2.xml><?xml version="1.0" encoding="utf-8"?>
-<?mso-contentType ?>
-<FormTemplates xmlns="http://schemas.microsoft.com/sharepoint/v3/contenttype/forms">
-  <Display>DocumentLibraryForm</Display>
-  <Edit>DocumentLibraryForm</Edit>
-  <New>DocumentLibraryForm</New>
-</FormTemplates>
-</file>
-
-<file path=customXml/item3.xml><?xml version="1.0" encoding="utf-8"?>
 <ct:contentTypeSchema xmlns:ct="http://schemas.microsoft.com/office/2006/metadata/contentType" xmlns:ma="http://schemas.microsoft.com/office/2006/metadata/properties/metaAttributes" ct:_="" ma:_="" ma:contentTypeName="Document" ma:contentTypeID="0x01010019CA36121DC64B49A90F8A3DDE29BEB3" ma:contentTypeVersion="12" ma:contentTypeDescription="Create a new document." ma:contentTypeScope="" ma:versionID="905a7048ecc0a05b17e4961b56e6b863">
   <xsd:schema xmlns:xsd="http://www.w3.org/2001/XMLSchema" xmlns:xs="http://www.w3.org/2001/XMLSchema" xmlns:p="http://schemas.microsoft.com/office/2006/metadata/properties" xmlns:ns2="a0cb2206-4dc9-4c70-91d2-0a62a544b5e9" xmlns:ns3="e509ec62-186f-434a-a57a-bb6c3bdbbfec" targetNamespace="http://schemas.microsoft.com/office/2006/metadata/properties" ma:root="true" ma:fieldsID="b0ee4a7be0160894f0d41ddb9a2c5a83" ns2:_="" ns3:_="">
     <xsd:import namespace="a0cb2206-4dc9-4c70-91d2-0a62a544b5e9"/>
@@ -11225,7 +12360,61 @@
 </ct:contentTypeSchema>
 </file>
 
+<file path=customXml/item2.xml><?xml version="1.0" encoding="utf-8"?>
+<?mso-contentType ?>
+<FormTemplates xmlns="http://schemas.microsoft.com/sharepoint/v3/contenttype/forms">
+  <Display>DocumentLibraryForm</Display>
+  <Edit>DocumentLibraryForm</Edit>
+  <New>DocumentLibraryForm</New>
+</FormTemplates>
+</file>
+
+<file path=customXml/item3.xml><?xml version="1.0" encoding="utf-8"?>
+<p:properties xmlns:p="http://schemas.microsoft.com/office/2006/metadata/properties" xmlns:xsi="http://www.w3.org/2001/XMLSchema-instance" xmlns:pc="http://schemas.microsoft.com/office/infopath/2007/PartnerControls">
+  <documentManagement>
+    <SharedWithUsers xmlns="e509ec62-186f-434a-a57a-bb6c3bdbbfec">
+      <UserInfo>
+        <DisplayName>Pilar Gallego Casado</DisplayName>
+        <AccountId>203</AccountId>
+        <AccountType/>
+      </UserInfo>
+    </SharedWithUsers>
+    <lcf76f155ced4ddcb4097134ff3c332f xmlns="a0cb2206-4dc9-4c70-91d2-0a62a544b5e9">
+      <Terms xmlns="http://schemas.microsoft.com/office/infopath/2007/PartnerControls"/>
+    </lcf76f155ced4ddcb4097134ff3c332f>
+    <TaxCatchAll xmlns="e509ec62-186f-434a-a57a-bb6c3bdbbfec" xsi:nil="true"/>
+  </documentManagement>
+</p:properties>
+</file>
+
 <file path=customXml/itemProps1.xml><?xml version="1.0" encoding="utf-8"?>
+<ds:datastoreItem xmlns:ds="http://schemas.openxmlformats.org/officeDocument/2006/customXml" ds:itemID="{24E97FAA-913F-4971-8F9A-7EDE35F94209}">
+  <ds:schemaRefs>
+    <ds:schemaRef ds:uri="a0cb2206-4dc9-4c70-91d2-0a62a544b5e9"/>
+    <ds:schemaRef ds:uri="e509ec62-186f-434a-a57a-bb6c3bdbbfec"/>
+    <ds:schemaRef ds:uri="http://purl.org/dc/elements/1.1/"/>
+    <ds:schemaRef ds:uri="http://purl.org/dc/terms/"/>
+    <ds:schemaRef ds:uri="http://schemas.microsoft.com/internal/obd"/>
+    <ds:schemaRef ds:uri="http://schemas.microsoft.com/office/2006/documentManagement/types"/>
+    <ds:schemaRef ds:uri="http://schemas.microsoft.com/office/2006/metadata/contentType"/>
+    <ds:schemaRef ds:uri="http://schemas.microsoft.com/office/2006/metadata/properties"/>
+    <ds:schemaRef ds:uri="http://schemas.microsoft.com/office/2006/metadata/properties/metaAttributes"/>
+    <ds:schemaRef ds:uri="http://schemas.microsoft.com/office/infopath/2007/PartnerControls"/>
+    <ds:schemaRef ds:uri="http://schemas.openxmlformats.org/package/2006/metadata/core-properties"/>
+    <ds:schemaRef ds:uri="http://www.w3.org/2001/XMLSchema"/>
+  </ds:schemaRefs>
+</ds:datastoreItem>
+</file>
+
+<file path=customXml/itemProps2.xml><?xml version="1.0" encoding="utf-8"?>
+<ds:datastoreItem xmlns:ds="http://schemas.openxmlformats.org/officeDocument/2006/customXml" ds:itemID="{2852F1AF-A15C-42E7-9B42-BF4AEFC93BFF}">
+  <ds:schemaRefs>
+    <ds:schemaRef ds:uri="http://schemas.microsoft.com/sharepoint/v3/contenttype/forms"/>
+  </ds:schemaRefs>
+</ds:datastoreItem>
+</file>
+
+<file path=customXml/itemProps3.xml><?xml version="1.0" encoding="utf-8"?>
 <ds:datastoreItem xmlns:ds="http://schemas.openxmlformats.org/officeDocument/2006/customXml" ds:itemID="{2DD08B5B-074A-4BE6-BDFD-2B8CC46D04B9}">
   <ds:schemaRefs>
     <ds:schemaRef ds:uri="50c908b1-f277-4340-90a9-4611d0b0f078"/>
@@ -11243,31 +12432,4 @@
     <ds:schemaRef ds:uri="http://www.w3.org/XML/1998/namespace"/>
   </ds:schemaRefs>
 </ds:datastoreItem>
-</file>
-
-<file path=customXml/itemProps2.xml><?xml version="1.0" encoding="utf-8"?>
-<ds:datastoreItem xmlns:ds="http://schemas.openxmlformats.org/officeDocument/2006/customXml" ds:itemID="{2852F1AF-A15C-42E7-9B42-BF4AEFC93BFF}">
-  <ds:schemaRefs>
-    <ds:schemaRef ds:uri="http://schemas.microsoft.com/sharepoint/v3/contenttype/forms"/>
-  </ds:schemaRefs>
-</ds:datastoreItem>
-</file>
-
-<file path=customXml/itemProps3.xml><?xml version="1.0" encoding="utf-8"?>
-<ds:datastoreItem xmlns:ds="http://schemas.openxmlformats.org/officeDocument/2006/customXml" ds:itemID="{24E97FAA-913F-4971-8F9A-7EDE35F94209}">
-  <ds:schemaRefs>
-    <ds:schemaRef ds:uri="a0cb2206-4dc9-4c70-91d2-0a62a544b5e9"/>
-    <ds:schemaRef ds:uri="e509ec62-186f-434a-a57a-bb6c3bdbbfec"/>
-    <ds:schemaRef ds:uri="http://purl.org/dc/elements/1.1/"/>
-    <ds:schemaRef ds:uri="http://purl.org/dc/terms/"/>
-    <ds:schemaRef ds:uri="http://schemas.microsoft.com/internal/obd"/>
-    <ds:schemaRef ds:uri="http://schemas.microsoft.com/office/2006/documentManagement/types"/>
-    <ds:schemaRef ds:uri="http://schemas.microsoft.com/office/2006/metadata/contentType"/>
-    <ds:schemaRef ds:uri="http://schemas.microsoft.com/office/2006/metadata/properties"/>
-    <ds:schemaRef ds:uri="http://schemas.microsoft.com/office/2006/metadata/properties/metaAttributes"/>
-    <ds:schemaRef ds:uri="http://schemas.microsoft.com/office/infopath/2007/PartnerControls"/>
-    <ds:schemaRef ds:uri="http://schemas.openxmlformats.org/package/2006/metadata/core-properties"/>
-    <ds:schemaRef ds:uri="http://www.w3.org/2001/XMLSchema"/>
-  </ds:schemaRefs>
-</ds:datastoreItem>
 </file>